--- a/Unit 20/Final_Presentation_Credit_card_Fraud_Detection.pptx
+++ b/Unit 20/Final_Presentation_Credit_card_Fraud_Detection.pptx
@@ -15,12 +15,9 @@
     <p:sldId id="262" r:id="rId9"/>
     <p:sldId id="263" r:id="rId10"/>
     <p:sldId id="264" r:id="rId11"/>
-    <p:sldId id="265" r:id="rId12"/>
-    <p:sldId id="266" r:id="rId13"/>
-    <p:sldId id="267" r:id="rId14"/>
-    <p:sldId id="268" r:id="rId15"/>
-    <p:sldId id="269" r:id="rId16"/>
-    <p:sldId id="271" r:id="rId17"/>
+    <p:sldId id="266" r:id="rId12"/>
+    <p:sldId id="267" r:id="rId13"/>
+    <p:sldId id="271" r:id="rId14"/>
   </p:sldIdLst>
   <p:sldSz cx="12192000" cy="6858000"/>
   <p:notesSz cx="6858000" cy="9144000"/>
@@ -3380,7 +3377,7 @@
         <p:spPr>
           <a:xfrm>
             <a:off x="592183" y="1567543"/>
-            <a:ext cx="5712823" cy="5477269"/>
+            <a:ext cx="5712823" cy="3815275"/>
           </a:xfrm>
           <a:prstGeom prst="rect">
             <a:avLst/>
@@ -3401,7 +3398,7 @@
                 <a:ea typeface="Calibri" panose="020F0502020204030204" pitchFamily="34" charset="0"/>
                 <a:cs typeface="Calibri" panose="020F0502020204030204" pitchFamily="34" charset="0"/>
               </a:rPr>
-              <a:t>Fraud detection is a set of activities that are taken to prevent money or property from being obtained through false pretenses. Fraud can be committed in different ways and in many industries. Most detection methods combine a variety of fraud detection datasets to form a connected overview of both valid and non-valid payment data to make a decision. The Credit Card Fraud Detection Problem includes modeling past credit card transactions with the knowledge of the ones that turned out to be a fraud. This model is then used to identify whether a new transaction is fraudulent or not.</a:t>
+              <a:t>The Credit Card Fraud Detection Problem includes modeling past credit card transactions with the knowledge of the ones that turned out to be a fraud. This model is then used to identify whether a new transaction is fraudulent or not.</a:t>
             </a:r>
             <a:r>
               <a:rPr lang="en-US" sz="1800" b="0" i="0" u="none" strike="noStrike" baseline="0" dirty="0">
@@ -3745,11 +3742,9 @@
               <a:buClr>
                 <a:schemeClr val="accent1"/>
               </a:buClr>
-              <a:buFont typeface="Wingdings 3" charset="2"/>
-              <a:buChar char=""/>
             </a:pPr>
             <a:r>
-              <a:rPr lang="en-US" sz="1100" b="1" i="0" dirty="0">
+              <a:rPr lang="en-US" sz="2000" i="0" dirty="0">
                 <a:solidFill>
                   <a:schemeClr val="tx1">
                     <a:lumMod val="75000"/>
@@ -3758,7 +3753,7 @@
                 </a:solidFill>
                 <a:effectLst/>
               </a:rPr>
-              <a:t> Oversampling(SMOTE) :</a:t>
+              <a:t>Oversampling(SMOTE) :</a:t>
             </a:r>
           </a:p>
           <a:p>
@@ -3772,34 +3767,9 @@
               <a:buClr>
                 <a:schemeClr val="accent1"/>
               </a:buClr>
-              <a:buFont typeface="Wingdings 3" charset="2"/>
-              <a:buChar char=""/>
             </a:pPr>
-            <a:endParaRPr lang="en-US" sz="1100" b="1" dirty="0">
-              <a:solidFill>
-                <a:schemeClr val="tx1">
-                  <a:lumMod val="75000"/>
-                  <a:lumOff val="25000"/>
-                </a:schemeClr>
-              </a:solidFill>
-            </a:endParaRPr>
-          </a:p>
-          <a:p>
-            <a:pPr marL="742950" lvl="1" indent="-285750">
-              <a:lnSpc>
-                <a:spcPct val="90000"/>
-              </a:lnSpc>
-              <a:spcBef>
-                <a:spcPts val="1000"/>
-              </a:spcBef>
-              <a:buClr>
-                <a:schemeClr val="accent1"/>
-              </a:buClr>
-              <a:buFont typeface="Wingdings 3" charset="2"/>
-              <a:buChar char=""/>
-            </a:pPr>
-            <a:r>
-              <a:rPr lang="en-US" sz="1100" b="0" i="0" dirty="0">
+            <a:r>
+              <a:rPr lang="en-US" b="0" i="0" dirty="0">
                 <a:solidFill>
                   <a:schemeClr val="tx1">
                     <a:lumMod val="75000"/>
@@ -3808,191 +3778,9 @@
                 </a:solidFill>
                 <a:effectLst/>
               </a:rPr>
-              <a:t>Oversampling the minority class (fraud cases)</a:t>
-            </a:r>
-          </a:p>
-          <a:p>
-            <a:pPr marL="800100" lvl="1" indent="-342900">
-              <a:lnSpc>
-                <a:spcPct val="90000"/>
-              </a:lnSpc>
-              <a:spcBef>
-                <a:spcPts val="1000"/>
-              </a:spcBef>
-              <a:buClr>
-                <a:schemeClr val="accent1"/>
-              </a:buClr>
-              <a:buFont typeface="Wingdings 3" charset="2"/>
-              <a:buChar char=""/>
-            </a:pPr>
-            <a:r>
-              <a:rPr lang="en-US" sz="1100" b="0" i="0" dirty="0">
-                <a:solidFill>
-                  <a:schemeClr val="tx1">
-                    <a:lumMod val="75000"/>
-                    <a:lumOff val="25000"/>
-                  </a:schemeClr>
-                </a:solidFill>
-                <a:effectLst/>
-              </a:rPr>
-              <a:t>Take random draws from the fraud cases and copy those observations to increase the amount of fraud samples</a:t>
-            </a:r>
-          </a:p>
-          <a:p>
-            <a:pPr marL="742950" lvl="1" indent="-285750">
-              <a:lnSpc>
-                <a:spcPct val="90000"/>
-              </a:lnSpc>
-              <a:spcBef>
-                <a:spcPts val="1000"/>
-              </a:spcBef>
-              <a:buClr>
-                <a:schemeClr val="accent1"/>
-              </a:buClr>
-              <a:buFont typeface="Wingdings 3" charset="2"/>
-              <a:buChar char=""/>
-            </a:pPr>
-            <a:r>
-              <a:rPr lang="en-US" sz="1100" b="0" i="0" dirty="0">
-                <a:solidFill>
-                  <a:schemeClr val="tx1">
-                    <a:lumMod val="75000"/>
-                    <a:lumOff val="25000"/>
-                  </a:schemeClr>
-                </a:solidFill>
-                <a:effectLst/>
-              </a:rPr>
-              <a:t> </a:t>
-            </a:r>
-            <a:r>
-              <a:rPr lang="en-US" sz="1100" dirty="0">
-                <a:solidFill>
-                  <a:schemeClr val="tx1">
-                    <a:lumMod val="75000"/>
-                    <a:lumOff val="25000"/>
-                  </a:schemeClr>
-                </a:solidFill>
-              </a:rPr>
-              <a:t>T</a:t>
-            </a:r>
-            <a:r>
-              <a:rPr lang="en-US" sz="1100" b="0" i="0" dirty="0">
-                <a:solidFill>
-                  <a:schemeClr val="tx1">
-                    <a:lumMod val="75000"/>
-                    <a:lumOff val="25000"/>
-                  </a:schemeClr>
-                </a:solidFill>
-                <a:effectLst/>
-              </a:rPr>
-              <a:t>he model will be trained on a lot of duplicates</a:t>
-            </a:r>
-          </a:p>
-          <a:p>
-            <a:pPr marL="742950" lvl="1" indent="-285750">
-              <a:lnSpc>
-                <a:spcPct val="90000"/>
-              </a:lnSpc>
-              <a:spcBef>
-                <a:spcPts val="1000"/>
-              </a:spcBef>
-              <a:buClr>
-                <a:schemeClr val="accent1"/>
-              </a:buClr>
-              <a:buFont typeface="Wingdings 3" charset="2"/>
-              <a:buChar char=""/>
-            </a:pPr>
-            <a:r>
-              <a:rPr lang="en-US" sz="1100" b="0" i="0" dirty="0">
-                <a:solidFill>
-                  <a:schemeClr val="tx1">
-                    <a:lumMod val="75000"/>
-                    <a:lumOff val="25000"/>
-                  </a:schemeClr>
-                </a:solidFill>
-                <a:effectLst/>
-              </a:rPr>
-              <a:t>The goal is to produce a better model by providing balanced data</a:t>
-            </a:r>
-          </a:p>
-          <a:p>
-            <a:pPr marL="742950" lvl="1" indent="-285750">
-              <a:lnSpc>
-                <a:spcPct val="90000"/>
-              </a:lnSpc>
-              <a:spcBef>
-                <a:spcPts val="1000"/>
-              </a:spcBef>
-              <a:buClr>
-                <a:schemeClr val="accent1"/>
-              </a:buClr>
-              <a:buFont typeface="Wingdings 3" charset="2"/>
-              <a:buChar char=""/>
-            </a:pPr>
-            <a:r>
-              <a:rPr lang="en-US" sz="1100" b="0" i="0" dirty="0">
-                <a:solidFill>
-                  <a:schemeClr val="tx1">
-                    <a:lumMod val="75000"/>
-                    <a:lumOff val="25000"/>
-                  </a:schemeClr>
-                </a:solidFill>
-                <a:effectLst/>
-              </a:rPr>
-              <a:t>using SMOTE suddenly gives us more observations of the minority class.</a:t>
-            </a:r>
-          </a:p>
-          <a:p>
-            <a:pPr lvl="1">
-              <a:lnSpc>
-                <a:spcPct val="90000"/>
-              </a:lnSpc>
-              <a:spcBef>
-                <a:spcPts val="1000"/>
-              </a:spcBef>
-              <a:buClr>
-                <a:schemeClr val="accent1"/>
-              </a:buClr>
-              <a:buFont typeface="Wingdings 3" charset="2"/>
-              <a:buChar char=""/>
-            </a:pPr>
-            <a:endParaRPr lang="en-US" sz="1100" b="0" i="0" dirty="0">
-              <a:solidFill>
-                <a:schemeClr val="tx1">
-                  <a:lumMod val="75000"/>
-                  <a:lumOff val="25000"/>
-                </a:schemeClr>
-              </a:solidFill>
-              <a:effectLst/>
-            </a:endParaRPr>
-          </a:p>
-          <a:p>
-            <a:pPr>
-              <a:lnSpc>
-                <a:spcPct val="90000"/>
-              </a:lnSpc>
-              <a:spcBef>
-                <a:spcPts val="1000"/>
-              </a:spcBef>
-              <a:buClr>
-                <a:schemeClr val="accent1"/>
-              </a:buClr>
-              <a:buFont typeface="Wingdings 3" charset="2"/>
-              <a:buChar char=""/>
-            </a:pPr>
-            <a:r>
-              <a:rPr lang="en-US" sz="1100" b="0" i="0" dirty="0">
-                <a:solidFill>
-                  <a:schemeClr val="tx1">
-                    <a:lumMod val="75000"/>
-                    <a:lumOff val="25000"/>
-                  </a:schemeClr>
-                </a:solidFill>
-                <a:effectLst/>
-              </a:rPr>
               <a:t>It should be clear that SMOTE has balanced our data completely, and that the minority class is now equal in size to the majority class.</a:t>
             </a:r>
-            <a:endParaRPr lang="en-US" sz="1100" b="1" i="0" dirty="0">
+            <a:endParaRPr lang="en-US" b="1" i="0" dirty="0">
               <a:solidFill>
                 <a:schemeClr val="tx1">
                   <a:lumMod val="75000"/>
@@ -4138,7 +3926,7 @@
           <p:cNvPr id="4" name="TextBox 3">
             <a:extLst>
               <a:ext uri="{FF2B5EF4-FFF2-40B4-BE49-F238E27FC236}">
-                <a16:creationId xmlns:a16="http://schemas.microsoft.com/office/drawing/2014/main" id="{4147C130-52D7-47D0-B0E3-5CC27868AD44}"/>
+                <a16:creationId xmlns:a16="http://schemas.microsoft.com/office/drawing/2014/main" id="{B18EF853-062A-44E4-B24A-D939F4C531A6}"/>
               </a:ext>
             </a:extLst>
           </p:cNvPr>
@@ -4147,465 +3935,8 @@
         </p:nvSpPr>
         <p:spPr>
           <a:xfrm>
-            <a:off x="2004969" y="838899"/>
-            <a:ext cx="1245854" cy="369332"/>
-          </a:xfrm>
-          <a:prstGeom prst="rect">
-            <a:avLst/>
-          </a:prstGeom>
-          <a:noFill/>
-        </p:spPr>
-        <p:txBody>
-          <a:bodyPr wrap="none" rtlCol="0">
-            <a:spAutoFit/>
-          </a:bodyPr>
-          <a:lstStyle/>
-          <a:p>
-            <a:r>
-              <a:rPr lang="en-US" b="1" dirty="0"/>
-              <a:t>Modeling</a:t>
-            </a:r>
-          </a:p>
-        </p:txBody>
-      </p:sp>
-      <p:sp>
-        <p:nvSpPr>
-          <p:cNvPr id="6" name="TextBox 5">
-            <a:extLst>
-              <a:ext uri="{FF2B5EF4-FFF2-40B4-BE49-F238E27FC236}">
-                <a16:creationId xmlns:a16="http://schemas.microsoft.com/office/drawing/2014/main" id="{CD11EF19-7C8F-44B0-84DA-F9271829C781}"/>
-              </a:ext>
-            </a:extLst>
-          </p:cNvPr>
-          <p:cNvSpPr txBox="1"/>
-          <p:nvPr/>
-        </p:nvSpPr>
-        <p:spPr>
-          <a:xfrm>
-            <a:off x="1073463" y="4155114"/>
-            <a:ext cx="1863011" cy="369332"/>
-          </a:xfrm>
-          <a:prstGeom prst="rect">
-            <a:avLst/>
-          </a:prstGeom>
-          <a:noFill/>
-        </p:spPr>
-        <p:txBody>
-          <a:bodyPr wrap="none" rtlCol="0">
-            <a:spAutoFit/>
-          </a:bodyPr>
-          <a:lstStyle/>
-          <a:p>
-            <a:r>
-              <a:rPr lang="en-US" b="1" dirty="0"/>
-              <a:t>Random Forest</a:t>
-            </a:r>
-          </a:p>
-        </p:txBody>
-      </p:sp>
-      <p:sp>
-        <p:nvSpPr>
-          <p:cNvPr id="7" name="TextBox 6">
-            <a:extLst>
-              <a:ext uri="{FF2B5EF4-FFF2-40B4-BE49-F238E27FC236}">
-                <a16:creationId xmlns:a16="http://schemas.microsoft.com/office/drawing/2014/main" id="{4251BBC8-E180-4B9D-9B5A-AAC31E9EF8E3}"/>
-              </a:ext>
-            </a:extLst>
-          </p:cNvPr>
-          <p:cNvSpPr txBox="1"/>
-          <p:nvPr/>
-        </p:nvSpPr>
-        <p:spPr>
-          <a:xfrm>
-            <a:off x="830510" y="1208231"/>
-            <a:ext cx="7911984" cy="2862322"/>
-          </a:xfrm>
-          <a:prstGeom prst="rect">
-            <a:avLst/>
-          </a:prstGeom>
-          <a:noFill/>
-        </p:spPr>
-        <p:txBody>
-          <a:bodyPr wrap="square" rtlCol="0">
-            <a:spAutoFit/>
-          </a:bodyPr>
-          <a:lstStyle/>
-          <a:p>
-            <a:r>
-              <a:rPr lang="en-US" b="0" i="0" dirty="0">
-                <a:solidFill>
-                  <a:srgbClr val="292929"/>
-                </a:solidFill>
-                <a:effectLst/>
-                <a:latin typeface="medium-content-serif-font"/>
-              </a:rPr>
-              <a:t>I will be creating and training my model for predicting whether a transaction is fraudulent or not. Since there are multiple algorithms, I can use to build </a:t>
-            </a:r>
-            <a:r>
-              <a:rPr lang="en-US" dirty="0">
-                <a:solidFill>
-                  <a:srgbClr val="292929"/>
-                </a:solidFill>
-                <a:latin typeface="medium-content-serif-font"/>
-              </a:rPr>
-              <a:t>my </a:t>
-            </a:r>
-            <a:r>
-              <a:rPr lang="en-US" b="0" i="0" dirty="0">
-                <a:solidFill>
-                  <a:srgbClr val="292929"/>
-                </a:solidFill>
-                <a:effectLst/>
-                <a:latin typeface="medium-content-serif-font"/>
-              </a:rPr>
-              <a:t>model</a:t>
-            </a:r>
-            <a:r>
-              <a:rPr lang="en-US" dirty="0">
-                <a:solidFill>
-                  <a:srgbClr val="292929"/>
-                </a:solidFill>
-                <a:latin typeface="medium-content-serif-font"/>
-              </a:rPr>
-              <a:t>.</a:t>
-            </a:r>
-          </a:p>
-          <a:p>
-            <a:r>
-              <a:rPr lang="en-US" b="0" i="0" dirty="0">
-                <a:solidFill>
-                  <a:srgbClr val="292929"/>
-                </a:solidFill>
-                <a:effectLst/>
-                <a:latin typeface="medium-content-serif-font"/>
-              </a:rPr>
-              <a:t>we are using </a:t>
-            </a:r>
-            <a:r>
-              <a:rPr lang="en-US" b="0" i="0" dirty="0" err="1">
-                <a:solidFill>
-                  <a:srgbClr val="292929"/>
-                </a:solidFill>
-                <a:effectLst/>
-                <a:latin typeface="medium-content-serif-font"/>
-              </a:rPr>
-              <a:t>XGBoost</a:t>
-            </a:r>
-            <a:r>
-              <a:rPr lang="en-US" b="0" i="0" dirty="0">
-                <a:solidFill>
-                  <a:srgbClr val="292929"/>
-                </a:solidFill>
-                <a:effectLst/>
-                <a:latin typeface="medium-content-serif-font"/>
-              </a:rPr>
-              <a:t>, Isolation Forest, </a:t>
-            </a:r>
-            <a:r>
-              <a:rPr lang="en-US" b="0" i="0" dirty="0" err="1">
-                <a:solidFill>
-                  <a:srgbClr val="292929"/>
-                </a:solidFill>
-                <a:effectLst/>
-                <a:latin typeface="medium-content-serif-font"/>
-              </a:rPr>
-              <a:t>RandomForest</a:t>
-            </a:r>
-            <a:r>
-              <a:rPr lang="en-US" b="0" i="0" dirty="0">
-                <a:solidFill>
-                  <a:srgbClr val="292929"/>
-                </a:solidFill>
-                <a:effectLst/>
-                <a:latin typeface="medium-content-serif-font"/>
-              </a:rPr>
-              <a:t>, Local Outlier Factor to perform my predictions. </a:t>
-            </a:r>
-          </a:p>
-          <a:p>
-            <a:r>
-              <a:rPr lang="en-US" dirty="0">
-                <a:solidFill>
-                  <a:srgbClr val="292929"/>
-                </a:solidFill>
-                <a:latin typeface="medium-content-serif-font"/>
-              </a:rPr>
-              <a:t>In this project I would like to </a:t>
-            </a:r>
-            <a:r>
-              <a:rPr lang="en-US" dirty="0">
-                <a:solidFill>
-                  <a:srgbClr val="292929"/>
-                </a:solidFill>
-              </a:rPr>
-              <a:t>compare 2 machine </a:t>
-            </a:r>
-            <a:r>
-              <a:rPr lang="en-US" dirty="0">
-                <a:solidFill>
-                  <a:srgbClr val="292929"/>
-                </a:solidFill>
-                <a:latin typeface="medium-content-serif-font"/>
-              </a:rPr>
-              <a:t>learning method:</a:t>
-            </a:r>
-          </a:p>
-          <a:p>
-            <a:endParaRPr lang="en-US" dirty="0">
-              <a:solidFill>
-                <a:srgbClr val="292929"/>
-              </a:solidFill>
-              <a:latin typeface="medium-content-serif-font"/>
-            </a:endParaRPr>
-          </a:p>
-          <a:p>
-            <a:pPr marL="285750" indent="-285750">
-              <a:buFont typeface="Wingdings" panose="05000000000000000000" pitchFamily="2" charset="2"/>
-              <a:buChar char="q"/>
-            </a:pPr>
-            <a:r>
-              <a:rPr lang="en-US" dirty="0">
-                <a:solidFill>
-                  <a:srgbClr val="292929"/>
-                </a:solidFill>
-                <a:latin typeface="medium-content-serif-font"/>
-              </a:rPr>
-              <a:t>Random Forest</a:t>
-            </a:r>
-          </a:p>
-          <a:p>
-            <a:pPr marL="285750" indent="-285750">
-              <a:buFont typeface="Wingdings" panose="05000000000000000000" pitchFamily="2" charset="2"/>
-              <a:buChar char="q"/>
-            </a:pPr>
-            <a:r>
-              <a:rPr lang="en-US" dirty="0" err="1">
-                <a:solidFill>
-                  <a:srgbClr val="292929"/>
-                </a:solidFill>
-                <a:latin typeface="medium-content-serif-font"/>
-              </a:rPr>
-              <a:t>XGBoost</a:t>
-            </a:r>
-            <a:endParaRPr lang="en-US" dirty="0">
-              <a:solidFill>
-                <a:srgbClr val="292929"/>
-              </a:solidFill>
-              <a:latin typeface="medium-content-serif-font"/>
-            </a:endParaRPr>
-          </a:p>
-          <a:p>
-            <a:endParaRPr lang="en-US" dirty="0"/>
-          </a:p>
-          <a:p>
-            <a:endParaRPr lang="en-US" dirty="0"/>
-          </a:p>
-        </p:txBody>
-      </p:sp>
-      <p:pic>
-        <p:nvPicPr>
-          <p:cNvPr id="9" name="Picture 2" descr="random forest">
-            <a:extLst>
-              <a:ext uri="{FF2B5EF4-FFF2-40B4-BE49-F238E27FC236}">
-                <a16:creationId xmlns:a16="http://schemas.microsoft.com/office/drawing/2014/main" id="{1650C93D-4317-44E3-BBA0-4DD294C22AAB}"/>
-              </a:ext>
-            </a:extLst>
-          </p:cNvPr>
-          <p:cNvPicPr>
-            <a:picLocks noChangeAspect="1" noChangeArrowheads="1"/>
-          </p:cNvPicPr>
-          <p:nvPr/>
-        </p:nvPicPr>
-        <p:blipFill>
-          <a:blip r:embed="rId2">
-            <a:extLst>
-              <a:ext uri="{28A0092B-C50C-407E-A947-70E740481C1C}">
-                <a14:useLocalDpi xmlns:a14="http://schemas.microsoft.com/office/drawing/2010/main" val="0"/>
-              </a:ext>
-            </a:extLst>
-          </a:blip>
-          <a:srcRect/>
-          <a:stretch>
-            <a:fillRect/>
-          </a:stretch>
-        </p:blipFill>
-        <p:spPr bwMode="auto">
-          <a:xfrm>
-            <a:off x="8229599" y="4233502"/>
-            <a:ext cx="3752675" cy="2444403"/>
-          </a:xfrm>
-          <a:prstGeom prst="rect">
-            <a:avLst/>
-          </a:prstGeom>
-          <a:noFill/>
-          <a:extLst>
-            <a:ext uri="{909E8E84-426E-40DD-AFC4-6F175D3DCCD1}">
-              <a14:hiddenFill xmlns:a14="http://schemas.microsoft.com/office/drawing/2010/main">
-                <a:solidFill>
-                  <a:srgbClr val="FFFFFF"/>
-                </a:solidFill>
-              </a14:hiddenFill>
-            </a:ext>
-          </a:extLst>
-        </p:spPr>
-      </p:pic>
-      <p:sp>
-        <p:nvSpPr>
-          <p:cNvPr id="11" name="TextBox 10">
-            <a:extLst>
-              <a:ext uri="{FF2B5EF4-FFF2-40B4-BE49-F238E27FC236}">
-                <a16:creationId xmlns:a16="http://schemas.microsoft.com/office/drawing/2014/main" id="{F548DE17-4917-4783-A8EE-74932B6175DE}"/>
-              </a:ext>
-            </a:extLst>
-          </p:cNvPr>
-          <p:cNvSpPr txBox="1"/>
-          <p:nvPr/>
-        </p:nvSpPr>
-        <p:spPr>
-          <a:xfrm>
-            <a:off x="830510" y="4609007"/>
-            <a:ext cx="6686025" cy="2308324"/>
-          </a:xfrm>
-          <a:prstGeom prst="rect">
-            <a:avLst/>
-          </a:prstGeom>
-          <a:noFill/>
-        </p:spPr>
-        <p:txBody>
-          <a:bodyPr wrap="square" rtlCol="0">
-            <a:spAutoFit/>
-          </a:bodyPr>
-          <a:lstStyle/>
-          <a:p>
-            <a:pPr marL="285750" indent="-285750">
-              <a:buFont typeface="Wingdings" panose="05000000000000000000" pitchFamily="2" charset="2"/>
-              <a:buChar char="q"/>
-            </a:pPr>
-            <a:r>
-              <a:rPr lang="en-US" i="0" dirty="0">
-                <a:solidFill>
-                  <a:srgbClr val="000000"/>
-                </a:solidFill>
-                <a:effectLst/>
-              </a:rPr>
-              <a:t>Random Forests are a more robust option than a single decision tree</a:t>
-            </a:r>
-          </a:p>
-          <a:p>
-            <a:pPr marL="285750" indent="-285750" algn="l">
-              <a:buFont typeface="Wingdings" panose="05000000000000000000" pitchFamily="2" charset="2"/>
-              <a:buChar char="q"/>
-            </a:pPr>
-            <a:r>
-              <a:rPr lang="en-US" b="0" i="0" dirty="0">
-                <a:solidFill>
-                  <a:srgbClr val="000000"/>
-                </a:solidFill>
-                <a:effectLst/>
-                <a:latin typeface="Helvetica Neue"/>
-              </a:rPr>
-              <a:t>A random forest consists of a collection of trees on a random subset of features</a:t>
-            </a:r>
-          </a:p>
-          <a:p>
-            <a:pPr marL="285750" indent="-285750">
-              <a:buFont typeface="Wingdings" panose="05000000000000000000" pitchFamily="2" charset="2"/>
-              <a:buChar char="q"/>
-            </a:pPr>
-            <a:r>
-              <a:rPr lang="en-US" b="0" i="0" dirty="0">
-                <a:solidFill>
-                  <a:srgbClr val="000000"/>
-                </a:solidFill>
-                <a:effectLst/>
-                <a:latin typeface="Helvetica Neue"/>
-              </a:rPr>
-              <a:t>Final predictions are the combined results of those trees</a:t>
-            </a:r>
-          </a:p>
-          <a:p>
-            <a:pPr marL="285750" indent="-285750">
-              <a:buFont typeface="Wingdings" panose="05000000000000000000" pitchFamily="2" charset="2"/>
-              <a:buChar char="q"/>
-            </a:pPr>
-            <a:r>
-              <a:rPr lang="en-US" b="0" i="0" dirty="0">
-                <a:solidFill>
-                  <a:srgbClr val="000000"/>
-                </a:solidFill>
-                <a:effectLst/>
-                <a:latin typeface="+mj-lt"/>
-              </a:rPr>
-              <a:t>Very popular for fraud detection</a:t>
-            </a:r>
-          </a:p>
-          <a:p>
-            <a:pPr marL="285750" indent="-285750">
-              <a:buFont typeface="Wingdings" panose="05000000000000000000" pitchFamily="2" charset="2"/>
-              <a:buChar char="q"/>
-            </a:pPr>
-            <a:r>
-              <a:rPr lang="en-US" i="0" dirty="0">
-                <a:solidFill>
-                  <a:srgbClr val="000000"/>
-                </a:solidFill>
-                <a:effectLst/>
-                <a:latin typeface="+mj-lt"/>
-              </a:rPr>
-              <a:t>Random Forest prevents overfitting most of the time</a:t>
-            </a:r>
-          </a:p>
-          <a:p>
-            <a:endParaRPr lang="en-US" dirty="0"/>
-          </a:p>
-        </p:txBody>
-      </p:sp>
-    </p:spTree>
-    <p:extLst>
-      <p:ext uri="{BB962C8B-B14F-4D97-AF65-F5344CB8AC3E}">
-        <p14:creationId xmlns:p14="http://schemas.microsoft.com/office/powerpoint/2010/main" val="506545514"/>
-      </p:ext>
-    </p:extLst>
-  </p:cSld>
-  <p:clrMapOvr>
-    <a:masterClrMapping/>
-  </p:clrMapOvr>
-</p:sld>
-</file>
-
-<file path=ppt/slides/slide12.xml><?xml version="1.0" encoding="utf-8"?>
-<p:sld xmlns:a="http://schemas.openxmlformats.org/drawingml/2006/main" xmlns:r="http://schemas.openxmlformats.org/officeDocument/2006/relationships" xmlns:p="http://schemas.openxmlformats.org/presentationml/2006/main">
-  <p:cSld>
-    <p:spTree>
-      <p:nvGrpSpPr>
-        <p:cNvPr id="1" name=""/>
-        <p:cNvGrpSpPr/>
-        <p:nvPr/>
-      </p:nvGrpSpPr>
-      <p:grpSpPr>
-        <a:xfrm>
-          <a:off x="0" y="0"/>
-          <a:ext cx="0" cy="0"/>
-          <a:chOff x="0" y="0"/>
-          <a:chExt cx="0" cy="0"/>
-        </a:xfrm>
-      </p:grpSpPr>
-      <p:sp>
-        <p:nvSpPr>
-          <p:cNvPr id="4" name="TextBox 3">
-            <a:extLst>
-              <a:ext uri="{FF2B5EF4-FFF2-40B4-BE49-F238E27FC236}">
-                <a16:creationId xmlns:a16="http://schemas.microsoft.com/office/drawing/2014/main" id="{B18EF853-062A-44E4-B24A-D939F4C531A6}"/>
-              </a:ext>
-            </a:extLst>
-          </p:cNvPr>
-          <p:cNvSpPr txBox="1"/>
-          <p:nvPr/>
-        </p:nvSpPr>
-        <p:spPr>
-          <a:xfrm>
-            <a:off x="1008077" y="5657671"/>
-            <a:ext cx="10175846" cy="738664"/>
+            <a:off x="654342" y="5233851"/>
+            <a:ext cx="10529581" cy="738664"/>
           </a:xfrm>
           <a:prstGeom prst="rect">
             <a:avLst/>
@@ -4676,7 +4007,7 @@
         <p:spPr>
           <a:xfrm>
             <a:off x="654342" y="226503"/>
-            <a:ext cx="6971251" cy="5539978"/>
+            <a:ext cx="6971251" cy="5109091"/>
           </a:xfrm>
           <a:prstGeom prst="rect">
             <a:avLst/>
@@ -4691,6 +4022,134 @@
           <a:p>
             <a:r>
               <a:rPr lang="en-US" sz="1400" dirty="0"/>
+              <a:t>Modeling</a:t>
+            </a:r>
+          </a:p>
+          <a:p>
+            <a:r>
+              <a:rPr lang="en-US" sz="1400" b="0" i="0" dirty="0">
+                <a:solidFill>
+                  <a:srgbClr val="292929"/>
+                </a:solidFill>
+                <a:effectLst/>
+                <a:latin typeface="medium-content-serif-font"/>
+              </a:rPr>
+              <a:t>we are using </a:t>
+            </a:r>
+            <a:r>
+              <a:rPr lang="en-US" sz="1400" b="0" i="0" dirty="0" err="1">
+                <a:solidFill>
+                  <a:srgbClr val="292929"/>
+                </a:solidFill>
+                <a:effectLst/>
+                <a:latin typeface="medium-content-serif-font"/>
+              </a:rPr>
+              <a:t>XGBoost</a:t>
+            </a:r>
+            <a:r>
+              <a:rPr lang="en-US" sz="1400" b="0" i="0" dirty="0">
+                <a:solidFill>
+                  <a:srgbClr val="292929"/>
+                </a:solidFill>
+                <a:effectLst/>
+                <a:latin typeface="medium-content-serif-font"/>
+              </a:rPr>
+              <a:t>, Isolation Forest, </a:t>
+            </a:r>
+            <a:r>
+              <a:rPr lang="en-US" sz="1400" b="0" i="0" dirty="0" err="1">
+                <a:solidFill>
+                  <a:srgbClr val="292929"/>
+                </a:solidFill>
+                <a:effectLst/>
+                <a:latin typeface="medium-content-serif-font"/>
+              </a:rPr>
+              <a:t>RandomForest</a:t>
+            </a:r>
+            <a:r>
+              <a:rPr lang="en-US" sz="1400" b="0" i="0" dirty="0">
+                <a:solidFill>
+                  <a:srgbClr val="292929"/>
+                </a:solidFill>
+                <a:effectLst/>
+                <a:latin typeface="medium-content-serif-font"/>
+              </a:rPr>
+              <a:t>, Local Outlier Factor to perform my predictions. </a:t>
+            </a:r>
+            <a:r>
+              <a:rPr lang="en-US" sz="1400" dirty="0">
+                <a:solidFill>
+                  <a:srgbClr val="292929"/>
+                </a:solidFill>
+                <a:latin typeface="medium-content-serif-font"/>
+              </a:rPr>
+              <a:t>In this project I would like to </a:t>
+            </a:r>
+            <a:r>
+              <a:rPr lang="en-US" sz="1400" dirty="0">
+                <a:solidFill>
+                  <a:srgbClr val="292929"/>
+                </a:solidFill>
+              </a:rPr>
+              <a:t>compare 2 machine </a:t>
+            </a:r>
+            <a:r>
+              <a:rPr lang="en-US" sz="1400" dirty="0">
+                <a:solidFill>
+                  <a:srgbClr val="292929"/>
+                </a:solidFill>
+                <a:latin typeface="medium-content-serif-font"/>
+              </a:rPr>
+              <a:t>learning method:</a:t>
+            </a:r>
+          </a:p>
+          <a:p>
+            <a:pPr marL="285750" indent="-285750">
+              <a:buFont typeface="Arial" panose="020B0604020202020204" pitchFamily="34" charset="0"/>
+              <a:buChar char="•"/>
+            </a:pPr>
+            <a:r>
+              <a:rPr lang="en-US" sz="1400" dirty="0">
+                <a:solidFill>
+                  <a:srgbClr val="292929"/>
+                </a:solidFill>
+                <a:latin typeface="medium-content-serif-font"/>
+              </a:rPr>
+              <a:t>Random Forest</a:t>
+            </a:r>
+          </a:p>
+          <a:p>
+            <a:pPr marL="285750" indent="-285750">
+              <a:buFont typeface="Arial" panose="020B0604020202020204" pitchFamily="34" charset="0"/>
+              <a:buChar char="•"/>
+            </a:pPr>
+            <a:r>
+              <a:rPr lang="en-US" sz="1400" dirty="0" err="1">
+                <a:solidFill>
+                  <a:srgbClr val="292929"/>
+                </a:solidFill>
+                <a:latin typeface="medium-content-serif-font"/>
+              </a:rPr>
+              <a:t>XGBoost</a:t>
+            </a:r>
+            <a:endParaRPr lang="en-US" sz="1400" dirty="0">
+              <a:solidFill>
+                <a:srgbClr val="292929"/>
+              </a:solidFill>
+              <a:latin typeface="medium-content-serif-font"/>
+            </a:endParaRPr>
+          </a:p>
+          <a:p>
+            <a:endParaRPr lang="en-US" sz="1400" dirty="0">
+              <a:solidFill>
+                <a:srgbClr val="292929"/>
+              </a:solidFill>
+              <a:latin typeface="medium-content-serif-font"/>
+            </a:endParaRPr>
+          </a:p>
+          <a:p>
+            <a:r>
+              <a:rPr lang="en-US" sz="1400" dirty="0"/>
               <a:t>The Random Forest classification report is :</a:t>
             </a:r>
           </a:p>
@@ -4701,66 +4160,73 @@
             </a:r>
           </a:p>
           <a:p>
-            <a:endParaRPr lang="en-US" sz="1400" dirty="0"/>
-          </a:p>
-          <a:p>
+            <a:pPr marL="285750" indent="-285750">
+              <a:buFont typeface="Arial" panose="020B0604020202020204" pitchFamily="34" charset="0"/>
+              <a:buChar char="•"/>
+            </a:pPr>
             <a:r>
               <a:rPr lang="en-US" sz="1400" dirty="0"/>
-              <a:t>- The model is able to predict only 92% of fraudulent transactions .(precision score)</a:t>
-            </a:r>
-          </a:p>
-          <a:p>
-            <a:endParaRPr lang="en-US" sz="1400" dirty="0"/>
-          </a:p>
-          <a:p>
+              <a:t>The model is able to predict only 92% of fraudulent transactions .(precision score)</a:t>
+            </a:r>
+          </a:p>
+          <a:p>
+            <a:pPr marL="285750" indent="-285750">
+              <a:buFont typeface="Arial" panose="020B0604020202020204" pitchFamily="34" charset="0"/>
+              <a:buChar char="•"/>
+            </a:pPr>
             <a:r>
               <a:rPr lang="en-US" sz="1400" dirty="0"/>
-              <a:t>- 84978 transactions classified as valid and were actually valid(True Positive)(here 84980 are the number of CORRECTLY PREDICTED safe cases).</a:t>
-            </a:r>
-          </a:p>
-          <a:p>
-            <a:endParaRPr lang="en-US" sz="1400" dirty="0"/>
-          </a:p>
-          <a:p>
+              <a:t> 84978 transactions classified as valid and were actually valid(True Positive)(here 84980 are the number of CORRECTLY PREDICTED safe cases).</a:t>
+            </a:r>
+          </a:p>
+          <a:p>
+            <a:pPr marL="285750" indent="-285750">
+              <a:buFont typeface="Arial" panose="020B0604020202020204" pitchFamily="34" charset="0"/>
+              <a:buChar char="•"/>
+            </a:pPr>
             <a:r>
               <a:rPr lang="en-US" sz="1400" dirty="0"/>
-              <a:t>- 11 transactions classified as fraud but that were really valid(type 1 error)( here 9 are the number of MISCLASSIFIED safe cases. Hence 9 safe cases were misclassified as a fraud. This is potentially less dangerous as it’s better to stop some safe transactions with the slightest chance of fraud.;</a:t>
-            </a:r>
-          </a:p>
-          <a:p>
-            <a:endParaRPr lang="en-US" sz="1400" dirty="0"/>
-          </a:p>
-          <a:p>
+              <a:t>11 transactions classified as fraud but that were really valid(type 1 error)( here 9 are the number of MISCLASSIFIED safe cases. Hence 9 safe cases were misclassified as a fraud. This is potentially less dangerous as it’s better to stop some safe transactions with the slightest chance of fraud.;</a:t>
+            </a:r>
+          </a:p>
+          <a:p>
+            <a:pPr marL="285750" indent="-285750">
+              <a:buFont typeface="Arial" panose="020B0604020202020204" pitchFamily="34" charset="0"/>
+              <a:buChar char="•"/>
+            </a:pPr>
             <a:r>
               <a:rPr lang="en-US" sz="1400" dirty="0"/>
-              <a:t>- 30 transactions classified as valid, but which were fraud (type 2 error)(here 30 are the number of MISCLASSIFIED fraud cases. hence 30 fraud cases were misclassified as safe. This is very dangerous because we are letting the fraud cases pass through. This can cause a huge loss to the organization.;</a:t>
-            </a:r>
-          </a:p>
-          <a:p>
-            <a:endParaRPr lang="en-US" sz="1400" dirty="0"/>
-          </a:p>
-          <a:p>
+              <a:t> 30 transactions classified as valid, but which were fraud (type 2 error)(here 30 are the number of MISCLASSIFIED fraud cases. hence 30 fraud cases were misclassified as safe. This is very dangerous because we are letting the fraud cases pass through. This can cause a huge loss to the organization.;</a:t>
+            </a:r>
+          </a:p>
+          <a:p>
+            <a:pPr marL="285750" indent="-285750">
+              <a:buFont typeface="Arial" panose="020B0604020202020204" pitchFamily="34" charset="0"/>
+              <a:buChar char="•"/>
+            </a:pPr>
             <a:r>
               <a:rPr lang="en-US" sz="1400" dirty="0"/>
-              <a:t>- 99 transactions classified as fraud and were actually fraud.</a:t>
-            </a:r>
-          </a:p>
-          <a:p>
-            <a:endParaRPr lang="en-US" sz="1400" dirty="0"/>
-          </a:p>
-          <a:p>
+              <a:t>99 transactions classified as fraud and were actually fraud.</a:t>
+            </a:r>
+          </a:p>
+          <a:p>
+            <a:pPr marL="285750" indent="-285750">
+              <a:buFont typeface="Arial" panose="020B0604020202020204" pitchFamily="34" charset="0"/>
+              <a:buChar char="•"/>
+            </a:pPr>
             <a:r>
               <a:rPr lang="en-US" sz="1400" dirty="0"/>
-              <a:t>- we have 129 transactions as fraud.</a:t>
-            </a:r>
-          </a:p>
-          <a:p>
-            <a:endParaRPr lang="en-US" sz="1400" dirty="0"/>
-          </a:p>
-          <a:p>
+              <a:t> we have 129 transactions as fraud.</a:t>
+            </a:r>
+          </a:p>
+          <a:p>
+            <a:pPr marL="285750" indent="-285750">
+              <a:buFont typeface="Arial" panose="020B0604020202020204" pitchFamily="34" charset="0"/>
+              <a:buChar char="•"/>
+            </a:pPr>
             <a:r>
               <a:rPr lang="en-US" sz="1400" dirty="0"/>
-              <a:t>- Look at the precision, recall, f1_score .The accuracy looks good.</a:t>
+              <a:t>Look at the precision, recall, f1_score .The accuracy looks good.</a:t>
             </a:r>
           </a:p>
           <a:p>
@@ -4781,7 +4247,7 @@
 </p:sld>
 </file>
 
-<file path=ppt/slides/slide13.xml><?xml version="1.0" encoding="utf-8"?>
+<file path=ppt/slides/slide12.xml><?xml version="1.0" encoding="utf-8"?>
 <p:sld xmlns:a="http://schemas.openxmlformats.org/drawingml/2006/main" xmlns:r="http://schemas.openxmlformats.org/officeDocument/2006/relationships" xmlns:p="http://schemas.openxmlformats.org/presentationml/2006/main">
   <p:cSld>
     <p:bg>
@@ -4860,7 +4326,7 @@
               </a:spcAft>
             </a:pPr>
             <a:r>
-              <a:rPr lang="en-US" sz="3600" b="1">
+              <a:rPr lang="en-US" sz="3200" b="1" dirty="0">
                 <a:solidFill>
                   <a:schemeClr val="tx1">
                     <a:lumMod val="85000"/>
@@ -4890,8 +4356,8 @@
         </p:nvSpPr>
         <p:spPr>
           <a:xfrm>
-            <a:off x="504615" y="2264050"/>
-            <a:ext cx="4149680" cy="3628803"/>
+            <a:off x="678892" y="1275053"/>
+            <a:ext cx="4097481" cy="2108269"/>
           </a:xfrm>
           <a:prstGeom prst="rect">
             <a:avLst/>
@@ -4910,8 +4376,6 @@
               <a:buClr>
                 <a:schemeClr val="accent1"/>
               </a:buClr>
-              <a:buFont typeface="Wingdings 3" charset="2"/>
-              <a:buChar char=""/>
             </a:pPr>
             <a:r>
               <a:rPr lang="en-US" sz="1400" b="0" i="0" u="none" strike="noStrike" baseline="0" dirty="0" err="1">
@@ -4933,29 +4397,7 @@
                   </a:schemeClr>
                 </a:solidFill>
               </a:rPr>
-              <a:t> has an inherent ability to handle missing values. When </a:t>
-            </a:r>
-            <a:r>
-              <a:rPr lang="en-US" sz="1400" b="0" i="0" u="none" strike="noStrike" baseline="0" dirty="0" err="1">
-                <a:solidFill>
-                  <a:schemeClr val="tx1">
-                    <a:lumMod val="75000"/>
-                    <a:lumOff val="25000"/>
-                  </a:schemeClr>
-                </a:solidFill>
-              </a:rPr>
-              <a:t>XGBoost</a:t>
-            </a:r>
-            <a:r>
-              <a:rPr lang="en-US" sz="1400" b="0" i="0" u="none" strike="noStrike" baseline="0" dirty="0">
-                <a:solidFill>
-                  <a:schemeClr val="tx1">
-                    <a:lumMod val="75000"/>
-                    <a:lumOff val="25000"/>
-                  </a:schemeClr>
-                </a:solidFill>
-              </a:rPr>
-              <a:t> encounters node at lost value, it tries to split left &amp; right hands &amp; learn all ways to the highest loss. This is when the test runs on the data. </a:t>
+              <a:t> has an inherent ability to handle missing values.</a:t>
             </a:r>
             <a:endParaRPr lang="en-US" sz="1400" dirty="0">
               <a:solidFill>
@@ -5041,8 +4483,8 @@
         </p:nvSpPr>
         <p:spPr>
           <a:xfrm>
-            <a:off x="504615" y="3378459"/>
-            <a:ext cx="4201879" cy="2323713"/>
+            <a:off x="678892" y="1703907"/>
+            <a:ext cx="4149680" cy="2108269"/>
           </a:xfrm>
           <a:prstGeom prst="rect">
             <a:avLst/>
@@ -5069,6 +4511,11 @@
               </a:rPr>
               <a:t>Let’s see if we can improve their performance through hyperparameter optimization:</a:t>
             </a:r>
+            <a:endParaRPr lang="en-US" sz="1400" dirty="0">
+              <a:solidFill>
+                <a:srgbClr val="292929"/>
+              </a:solidFill>
+            </a:endParaRPr>
           </a:p>
           <a:p>
             <a:pPr>
@@ -5100,25 +4547,7 @@
                 </a:solidFill>
                 <a:effectLst/>
               </a:rPr>
-              <a:t> for hyperparameter </a:t>
-            </a:r>
-            <a:r>
-              <a:rPr lang="en-US" sz="1400" i="0" dirty="0" err="1">
-                <a:solidFill>
-                  <a:srgbClr val="000000"/>
-                </a:solidFill>
-                <a:effectLst/>
-              </a:rPr>
-              <a:t>tuning.In</a:t>
-            </a:r>
-            <a:r>
-              <a:rPr lang="en-US" sz="1400" i="0" dirty="0">
-                <a:solidFill>
-                  <a:srgbClr val="000000"/>
-                </a:solidFill>
-                <a:effectLst/>
-              </a:rPr>
-              <a:t> this approach machine learning is an evaluated for a range of hyperparameter values. but my result didn’t improve.</a:t>
+              <a:t> for hyperparameter tuning. In this approach machine learning is an evaluated for a range of hyperparameter values. but my result didn’t improve.</a:t>
             </a:r>
           </a:p>
           <a:p>
@@ -5146,51 +4575,6 @@
           </a:p>
         </p:txBody>
       </p:sp>
-      <p:pic>
-        <p:nvPicPr>
-          <p:cNvPr id="10" name="Picture 2" descr="What is XGBoost Algorithm - Applied Machine Learning - DataFlair">
-            <a:extLst>
-              <a:ext uri="{FF2B5EF4-FFF2-40B4-BE49-F238E27FC236}">
-                <a16:creationId xmlns:a16="http://schemas.microsoft.com/office/drawing/2014/main" id="{2805BC66-2802-4821-A616-DDDFE8A0D806}"/>
-              </a:ext>
-            </a:extLst>
-          </p:cNvPr>
-          <p:cNvPicPr>
-            <a:picLocks noChangeAspect="1" noChangeArrowheads="1"/>
-          </p:cNvPicPr>
-          <p:nvPr/>
-        </p:nvPicPr>
-        <p:blipFill rotWithShape="1">
-          <a:blip r:embed="rId4">
-            <a:extLst>
-              <a:ext uri="{28A0092B-C50C-407E-A947-70E740481C1C}">
-                <a14:useLocalDpi xmlns:a14="http://schemas.microsoft.com/office/drawing/2010/main" val="0"/>
-              </a:ext>
-            </a:extLst>
-          </a:blip>
-          <a:srcRect l="22769" r="2288" b="1"/>
-          <a:stretch/>
-        </p:blipFill>
-        <p:spPr bwMode="auto">
-          <a:xfrm>
-            <a:off x="5131996" y="3637212"/>
-            <a:ext cx="2875916" cy="2005058"/>
-          </a:xfrm>
-          <a:prstGeom prst="rect">
-            <a:avLst/>
-          </a:prstGeom>
-          <a:noFill/>
-          <a:extLst>
-            <a:ext uri="{909E8E84-426E-40DD-AFC4-6F175D3DCCD1}">
-              <a14:hiddenFill xmlns:a14="http://schemas.microsoft.com/office/drawing/2010/main">
-                <a:solidFill>
-                  <a:srgbClr val="FFFFFF"/>
-                </a:solidFill>
-              </a14:hiddenFill>
-            </a:ext>
-          </a:extLst>
-        </p:spPr>
-      </p:pic>
       <p:sp>
         <p:nvSpPr>
           <p:cNvPr id="11" name="Rectangle 3">
@@ -5407,6 +4791,122 @@
           </a:p>
         </p:txBody>
       </p:sp>
+      <p:sp>
+        <p:nvSpPr>
+          <p:cNvPr id="13" name="TextBox 12">
+            <a:extLst>
+              <a:ext uri="{FF2B5EF4-FFF2-40B4-BE49-F238E27FC236}">
+                <a16:creationId xmlns:a16="http://schemas.microsoft.com/office/drawing/2014/main" id="{37758789-B66B-49AB-B3E9-1CBBF7E18A88}"/>
+              </a:ext>
+            </a:extLst>
+          </p:cNvPr>
+          <p:cNvSpPr txBox="1"/>
+          <p:nvPr/>
+        </p:nvSpPr>
+        <p:spPr>
+          <a:xfrm>
+            <a:off x="678892" y="3606924"/>
+            <a:ext cx="3289298" cy="584775"/>
+          </a:xfrm>
+          <a:prstGeom prst="rect">
+            <a:avLst/>
+          </a:prstGeom>
+          <a:noFill/>
+        </p:spPr>
+        <p:txBody>
+          <a:bodyPr wrap="none" rtlCol="0">
+            <a:spAutoFit/>
+          </a:bodyPr>
+          <a:lstStyle/>
+          <a:p>
+            <a:r>
+              <a:rPr lang="en-US" sz="3200" b="1" i="0" dirty="0">
+                <a:solidFill>
+                  <a:srgbClr val="000000"/>
+                </a:solidFill>
+                <a:effectLst/>
+                <a:latin typeface="+mj-lt"/>
+              </a:rPr>
+              <a:t>Ensemble methods</a:t>
+            </a:r>
+            <a:endParaRPr lang="en-US" sz="3200" dirty="0">
+              <a:latin typeface="+mj-lt"/>
+            </a:endParaRPr>
+          </a:p>
+        </p:txBody>
+      </p:sp>
+      <p:sp>
+        <p:nvSpPr>
+          <p:cNvPr id="17" name="TextBox 16">
+            <a:extLst>
+              <a:ext uri="{FF2B5EF4-FFF2-40B4-BE49-F238E27FC236}">
+                <a16:creationId xmlns:a16="http://schemas.microsoft.com/office/drawing/2014/main" id="{04CCAB4F-0054-48F0-9BA6-1183FE2F81DB}"/>
+              </a:ext>
+            </a:extLst>
+          </p:cNvPr>
+          <p:cNvSpPr txBox="1"/>
+          <p:nvPr/>
+        </p:nvSpPr>
+        <p:spPr>
+          <a:xfrm>
+            <a:off x="678892" y="4528457"/>
+            <a:ext cx="5007805" cy="1292662"/>
+          </a:xfrm>
+          <a:prstGeom prst="rect">
+            <a:avLst/>
+          </a:prstGeom>
+          <a:noFill/>
+        </p:spPr>
+        <p:txBody>
+          <a:bodyPr wrap="square" rtlCol="0">
+            <a:spAutoFit/>
+          </a:bodyPr>
+          <a:lstStyle/>
+          <a:p>
+            <a:r>
+              <a:rPr lang="en-US" sz="1400" dirty="0"/>
+              <a:t>To improve my prediction performance, I’ve decided to use ensemble method like Voting classifier. I’ve combined two algorithms into one model with the Voting Classifier and improved overall performance and detected more fraud</a:t>
+            </a:r>
+            <a:r>
+              <a:rPr lang="en-US" sz="1800" dirty="0"/>
+              <a:t>.</a:t>
+            </a:r>
+          </a:p>
+          <a:p>
+            <a:endParaRPr lang="en-US" dirty="0"/>
+          </a:p>
+        </p:txBody>
+      </p:sp>
+      <p:pic>
+        <p:nvPicPr>
+          <p:cNvPr id="18" name="Picture 17">
+            <a:extLst>
+              <a:ext uri="{FF2B5EF4-FFF2-40B4-BE49-F238E27FC236}">
+                <a16:creationId xmlns:a16="http://schemas.microsoft.com/office/drawing/2014/main" id="{87B3DE8E-3ED3-4397-9AC6-E1A9640A99ED}"/>
+              </a:ext>
+            </a:extLst>
+          </p:cNvPr>
+          <p:cNvPicPr>
+            <a:picLocks noChangeAspect="1"/>
+          </p:cNvPicPr>
+          <p:nvPr/>
+        </p:nvPicPr>
+        <p:blipFill>
+          <a:blip r:embed="rId4"/>
+          <a:stretch>
+            <a:fillRect/>
+          </a:stretch>
+        </p:blipFill>
+        <p:spPr>
+          <a:xfrm>
+            <a:off x="6244999" y="4528457"/>
+            <a:ext cx="3941484" cy="1936997"/>
+          </a:xfrm>
+          <a:prstGeom prst="rect">
+            <a:avLst/>
+          </a:prstGeom>
+        </p:spPr>
+      </p:pic>
     </p:spTree>
     <p:extLst>
       <p:ext uri="{BB962C8B-B14F-4D97-AF65-F5344CB8AC3E}">
@@ -5420,7 +4920,7 @@
 </p:sld>
 </file>
 
-<file path=ppt/slides/slide14.xml><?xml version="1.0" encoding="utf-8"?>
+<file path=ppt/slides/slide13.xml><?xml version="1.0" encoding="utf-8"?>
 <p:sld xmlns:a="http://schemas.openxmlformats.org/drawingml/2006/main" xmlns:r="http://schemas.openxmlformats.org/officeDocument/2006/relationships" xmlns:p="http://schemas.openxmlformats.org/presentationml/2006/main">
   <p:cSld>
     <p:spTree>
@@ -5439,10 +4939,10 @@
       </p:grpSpPr>
       <p:sp>
         <p:nvSpPr>
-          <p:cNvPr id="4" name="TextBox 3">
-            <a:extLst>
-              <a:ext uri="{FF2B5EF4-FFF2-40B4-BE49-F238E27FC236}">
-                <a16:creationId xmlns:a16="http://schemas.microsoft.com/office/drawing/2014/main" id="{F623D364-4644-42AA-8AD8-B4132BEEF3CB}"/>
+          <p:cNvPr id="6" name="TextBox 5">
+            <a:extLst>
+              <a:ext uri="{FF2B5EF4-FFF2-40B4-BE49-F238E27FC236}">
+                <a16:creationId xmlns:a16="http://schemas.microsoft.com/office/drawing/2014/main" id="{AFC11BB1-CECD-4C3A-B732-407E5F0E4A61}"/>
               </a:ext>
             </a:extLst>
           </p:cNvPr>
@@ -5451,8 +4951,8 @@
         </p:nvSpPr>
         <p:spPr>
           <a:xfrm>
-            <a:off x="2013358" y="1107347"/>
-            <a:ext cx="2364750" cy="646331"/>
+            <a:off x="2447109" y="2098766"/>
+            <a:ext cx="8351520" cy="4555093"/>
           </a:xfrm>
           <a:prstGeom prst="rect">
             <a:avLst/>
@@ -5460,80 +4960,141 @@
           <a:noFill/>
         </p:spPr>
         <p:txBody>
-          <a:bodyPr wrap="none" rtlCol="0">
+          <a:bodyPr wrap="square" rtlCol="0">
             <a:spAutoFit/>
           </a:bodyPr>
           <a:lstStyle/>
           <a:p>
+            <a:pPr>
+              <a:lnSpc>
+                <a:spcPct val="90000"/>
+              </a:lnSpc>
+              <a:spcAft>
+                <a:spcPts val="600"/>
+              </a:spcAft>
+            </a:pPr>
+            <a:r>
+              <a:rPr lang="en-US" b="1" dirty="0">
+                <a:solidFill>
+                  <a:srgbClr val="000000"/>
+                </a:solidFill>
+              </a:rPr>
+              <a:t>COCLUSION</a:t>
+            </a:r>
+            <a:endParaRPr lang="en-US" sz="1800" dirty="0">
+              <a:solidFill>
+                <a:srgbClr val="000000"/>
+              </a:solidFill>
+            </a:endParaRPr>
+          </a:p>
+          <a:p>
+            <a:pPr>
+              <a:lnSpc>
+                <a:spcPct val="90000"/>
+              </a:lnSpc>
+              <a:spcAft>
+                <a:spcPts val="600"/>
+              </a:spcAft>
+            </a:pPr>
+            <a:r>
+              <a:rPr lang="en-US" sz="1800" dirty="0">
+                <a:solidFill>
+                  <a:srgbClr val="000000"/>
+                </a:solidFill>
+              </a:rPr>
+              <a:t>4</a:t>
+            </a:r>
+            <a:r>
+              <a:rPr lang="en-US" sz="1800" b="0" i="0" dirty="0">
+                <a:solidFill>
+                  <a:srgbClr val="000000"/>
+                </a:solidFill>
+                <a:effectLst/>
+              </a:rPr>
+              <a:t> kind of models of machine learning has been used to examine their performance on a dataset which contains real world transaction data. Comparison between these algorithms(LOF, IF, RF, XGB) helped us to decide Random Forest and XGB which turned out to be both accurate and cost effective at the same time. </a:t>
+            </a:r>
+            <a:r>
+              <a:rPr lang="en-US" b="0" i="0" dirty="0">
+                <a:solidFill>
+                  <a:srgbClr val="000000"/>
+                </a:solidFill>
+                <a:effectLst/>
+              </a:rPr>
+              <a:t>While we couldn't reach out goal of 100% accuracy in fraud detection, we did end up creating a system that can, with enough time and data, get very close to that goal. As with any such project, there is some room for improvement here.</a:t>
+            </a:r>
+          </a:p>
+          <a:p>
+            <a:pPr>
+              <a:lnSpc>
+                <a:spcPct val="90000"/>
+              </a:lnSpc>
+              <a:spcAft>
+                <a:spcPts val="600"/>
+              </a:spcAft>
+            </a:pPr>
+            <a:endParaRPr lang="en-US" b="0" i="0" dirty="0">
+              <a:solidFill>
+                <a:srgbClr val="000000"/>
+              </a:solidFill>
+              <a:effectLst/>
+            </a:endParaRPr>
+          </a:p>
+          <a:p>
+            <a:pPr>
+              <a:lnSpc>
+                <a:spcPct val="90000"/>
+              </a:lnSpc>
+              <a:spcAft>
+                <a:spcPts val="600"/>
+              </a:spcAft>
+            </a:pPr>
             <a:r>
               <a:rPr lang="en-US" b="1" i="0" dirty="0">
                 <a:solidFill>
                   <a:srgbClr val="000000"/>
                 </a:solidFill>
                 <a:effectLst/>
-                <a:latin typeface="Helvetica Neue"/>
               </a:rPr>
-              <a:t> Ensemble methods</a:t>
-            </a:r>
-          </a:p>
-          <a:p>
+              <a:t>FUTURE ENHANCEMENTS</a:t>
+            </a:r>
+            <a:endParaRPr lang="en-US" b="0" i="0" dirty="0">
+              <a:solidFill>
+                <a:srgbClr val="000000"/>
+              </a:solidFill>
+              <a:effectLst/>
+            </a:endParaRPr>
+          </a:p>
+          <a:p>
+            <a:r>
+              <a:rPr lang="en-US" b="0" i="0" dirty="0">
+                <a:solidFill>
+                  <a:srgbClr val="000000"/>
+                </a:solidFill>
+                <a:effectLst/>
+              </a:rPr>
+              <a:t>This model can further be improved with the addition of more algorithms into it. However, the output of these algorithms needs to be in the same format as the others. </a:t>
+            </a:r>
+          </a:p>
+          <a:p>
+            <a:r>
+              <a:rPr lang="en-US" b="0" i="0" dirty="0">
+                <a:solidFill>
+                  <a:srgbClr val="000000"/>
+                </a:solidFill>
+                <a:effectLst/>
+              </a:rPr>
+              <a:t>More room for improvement can be found in the dataset. As demonstrated before, the precision of the algorithms increases when the size of dataset is increased. Hence, more data will surely make the model more accurate in detecting frauds and reduce the number of false positives. </a:t>
+            </a:r>
             <a:endParaRPr lang="en-US" dirty="0"/>
           </a:p>
         </p:txBody>
       </p:sp>
-      <p:pic>
-        <p:nvPicPr>
-          <p:cNvPr id="8194" name="Picture 2" descr="ensemble">
-            <a:extLst>
-              <a:ext uri="{FF2B5EF4-FFF2-40B4-BE49-F238E27FC236}">
-                <a16:creationId xmlns:a16="http://schemas.microsoft.com/office/drawing/2014/main" id="{34FCFED8-F178-4615-8D8E-2ECD5B54B480}"/>
-              </a:ext>
-            </a:extLst>
-          </p:cNvPr>
-          <p:cNvPicPr>
-            <a:picLocks noChangeAspect="1" noChangeArrowheads="1"/>
-          </p:cNvPicPr>
-          <p:nvPr/>
-        </p:nvPicPr>
-        <p:blipFill>
-          <a:blip r:embed="rId2">
-            <a:extLst>
-              <a:ext uri="{28A0092B-C50C-407E-A947-70E740481C1C}">
-                <a14:useLocalDpi xmlns:a14="http://schemas.microsoft.com/office/drawing/2010/main" val="0"/>
-              </a:ext>
-            </a:extLst>
-          </a:blip>
-          <a:srcRect/>
-          <a:stretch>
-            <a:fillRect/>
-          </a:stretch>
-        </p:blipFill>
-        <p:spPr bwMode="auto">
-          <a:xfrm>
-            <a:off x="8155412" y="1320800"/>
-            <a:ext cx="3159999" cy="2649538"/>
-          </a:xfrm>
-          <a:prstGeom prst="rect">
-            <a:avLst/>
-          </a:prstGeom>
-          <a:noFill/>
-          <a:extLst>
-            <a:ext uri="{909E8E84-426E-40DD-AFC4-6F175D3DCCD1}">
-              <a14:hiddenFill xmlns:a14="http://schemas.microsoft.com/office/drawing/2010/main">
-                <a:solidFill>
-                  <a:srgbClr val="FFFFFF"/>
-                </a:solidFill>
-              </a14:hiddenFill>
-            </a:ext>
-          </a:extLst>
-        </p:spPr>
-      </p:pic>
-      <p:sp>
-        <p:nvSpPr>
-          <p:cNvPr id="5" name="TextBox 4">
-            <a:extLst>
-              <a:ext uri="{FF2B5EF4-FFF2-40B4-BE49-F238E27FC236}">
-                <a16:creationId xmlns:a16="http://schemas.microsoft.com/office/drawing/2014/main" id="{9B87351F-00C4-4224-BCF0-B1B30F84286A}"/>
+      <p:sp>
+        <p:nvSpPr>
+          <p:cNvPr id="7" name="TextBox 6">
+            <a:extLst>
+              <a:ext uri="{FF2B5EF4-FFF2-40B4-BE49-F238E27FC236}">
+                <a16:creationId xmlns:a16="http://schemas.microsoft.com/office/drawing/2014/main" id="{B0CC2E63-482B-4499-8949-107416951A2C}"/>
               </a:ext>
             </a:extLst>
           </p:cNvPr>
@@ -5542,8 +5103,8 @@
         </p:nvSpPr>
         <p:spPr>
           <a:xfrm>
-            <a:off x="570452" y="3204595"/>
-            <a:ext cx="6585358" cy="2954655"/>
+            <a:off x="2290354" y="1114697"/>
+            <a:ext cx="4350422" cy="369332"/>
           </a:xfrm>
           <a:prstGeom prst="rect">
             <a:avLst/>
@@ -5551,952 +5112,27 @@
           <a:noFill/>
         </p:spPr>
         <p:txBody>
-          <a:bodyPr wrap="square" rtlCol="0">
-            <a:spAutoFit/>
-          </a:bodyPr>
-          <a:lstStyle/>
-          <a:p>
-            <a:pPr>
-              <a:buFont typeface="Arial" panose="020B0604020202020204" pitchFamily="34" charset="0"/>
-              <a:buChar char="•"/>
-            </a:pPr>
-            <a:r>
-              <a:rPr lang="en-US" sz="1400" b="0" i="0" dirty="0">
-                <a:solidFill>
-                  <a:srgbClr val="000000"/>
-                </a:solidFill>
-                <a:effectLst/>
-              </a:rPr>
-              <a:t>Ensemble methods are techniques that create multiple machine learning models and then combine them to produce a final result</a:t>
-            </a:r>
-          </a:p>
-          <a:p>
-            <a:pPr algn="l">
-              <a:buFont typeface="Arial" panose="020B0604020202020204" pitchFamily="34" charset="0"/>
-              <a:buChar char="•"/>
-            </a:pPr>
-            <a:r>
-              <a:rPr lang="en-US" sz="1400" b="0" i="0" dirty="0">
-                <a:solidFill>
-                  <a:srgbClr val="000000"/>
-                </a:solidFill>
-                <a:effectLst/>
-              </a:rPr>
-              <a:t>Usually produce more accurate predictions than a single model</a:t>
-            </a:r>
-          </a:p>
-          <a:p>
-            <a:pPr algn="l">
-              <a:buFont typeface="Arial" panose="020B0604020202020204" pitchFamily="34" charset="0"/>
-              <a:buChar char="•"/>
-            </a:pPr>
-            <a:r>
-              <a:rPr lang="en-US" sz="1400" b="0" i="0" dirty="0">
-                <a:solidFill>
-                  <a:srgbClr val="000000"/>
-                </a:solidFill>
-                <a:effectLst/>
-              </a:rPr>
-              <a:t>The goal of an ML problem is to find a single model that will best predict our wanted outcome </a:t>
-            </a:r>
-          </a:p>
-          <a:p>
-            <a:pPr algn="l">
-              <a:buFont typeface="Arial" panose="020B0604020202020204" pitchFamily="34" charset="0"/>
-              <a:buChar char="•"/>
-            </a:pPr>
-            <a:r>
-              <a:rPr lang="en-US" sz="1400" b="0" i="0" dirty="0">
-                <a:solidFill>
-                  <a:srgbClr val="000000"/>
-                </a:solidFill>
-                <a:effectLst/>
-              </a:rPr>
-              <a:t>Use ensemble methods rather than making one model and hoping it’s best, most accurate predictor</a:t>
-            </a:r>
-          </a:p>
-          <a:p>
-            <a:pPr algn="l">
-              <a:buFont typeface="Arial" panose="020B0604020202020204" pitchFamily="34" charset="0"/>
-              <a:buChar char="•"/>
-            </a:pPr>
-            <a:r>
-              <a:rPr lang="en-US" sz="1400" b="0" i="0" dirty="0">
-                <a:solidFill>
-                  <a:srgbClr val="000000"/>
-                </a:solidFill>
-                <a:effectLst/>
-              </a:rPr>
-              <a:t>Multiple models are combined via a "voting" rule on the model outcome</a:t>
-            </a:r>
-          </a:p>
-          <a:p>
-            <a:pPr algn="l">
-              <a:buFont typeface="Arial" panose="020B0604020202020204" pitchFamily="34" charset="0"/>
-              <a:buChar char="•"/>
-            </a:pPr>
-            <a:endParaRPr lang="en-US" sz="1400" dirty="0">
-              <a:solidFill>
-                <a:srgbClr val="000000"/>
-              </a:solidFill>
-            </a:endParaRPr>
-          </a:p>
-          <a:p>
-            <a:pPr algn="l">
-              <a:buFont typeface="Arial" panose="020B0604020202020204" pitchFamily="34" charset="0"/>
-              <a:buChar char="•"/>
-            </a:pPr>
-            <a:endParaRPr lang="en-US" sz="1400" b="0" i="0" dirty="0">
-              <a:solidFill>
-                <a:srgbClr val="000000"/>
-              </a:solidFill>
-              <a:effectLst/>
-            </a:endParaRPr>
-          </a:p>
-          <a:p>
-            <a:pPr algn="l"/>
-            <a:r>
-              <a:rPr lang="en-US" sz="1400" dirty="0">
-                <a:solidFill>
-                  <a:srgbClr val="000000"/>
-                </a:solidFill>
-                <a:latin typeface="+mj-lt"/>
-              </a:rPr>
-              <a:t>I ‘ve</a:t>
-            </a:r>
-            <a:r>
-              <a:rPr lang="en-US" sz="1400" b="0" i="0" dirty="0">
-                <a:solidFill>
-                  <a:srgbClr val="000000"/>
-                </a:solidFill>
-                <a:effectLst/>
-                <a:latin typeface="+mj-lt"/>
-              </a:rPr>
-              <a:t> </a:t>
-            </a:r>
-            <a:r>
-              <a:rPr lang="en-US" sz="1400" i="0" dirty="0">
-                <a:solidFill>
-                  <a:srgbClr val="000000"/>
-                </a:solidFill>
-                <a:effectLst/>
-                <a:latin typeface="+mj-lt"/>
-              </a:rPr>
-              <a:t>combined two algorithms </a:t>
-            </a:r>
-            <a:r>
-              <a:rPr lang="en-US" sz="1400" b="0" i="0" dirty="0">
-                <a:solidFill>
-                  <a:srgbClr val="000000"/>
-                </a:solidFill>
-                <a:effectLst/>
-                <a:latin typeface="+mj-lt"/>
-              </a:rPr>
-              <a:t>into one model with the </a:t>
-            </a:r>
-            <a:r>
-              <a:rPr lang="en-US" sz="1400" i="0" dirty="0" err="1">
-                <a:solidFill>
-                  <a:srgbClr val="000000"/>
-                </a:solidFill>
-                <a:effectLst/>
-                <a:latin typeface="+mj-lt"/>
-              </a:rPr>
-              <a:t>VotingClassifier</a:t>
-            </a:r>
-            <a:r>
-              <a:rPr lang="en-US" sz="1400" i="0" dirty="0">
-                <a:solidFill>
-                  <a:srgbClr val="000000"/>
-                </a:solidFill>
-                <a:effectLst/>
-                <a:latin typeface="+mj-lt"/>
-              </a:rPr>
-              <a:t> and improved overall performance and detected more fraud.</a:t>
-            </a:r>
-          </a:p>
-          <a:p>
-            <a:endParaRPr lang="en-US" dirty="0"/>
-          </a:p>
-        </p:txBody>
-      </p:sp>
-      <p:sp>
-        <p:nvSpPr>
-          <p:cNvPr id="6" name="TextBox 5">
-            <a:extLst>
-              <a:ext uri="{FF2B5EF4-FFF2-40B4-BE49-F238E27FC236}">
-                <a16:creationId xmlns:a16="http://schemas.microsoft.com/office/drawing/2014/main" id="{4C06903B-1CC9-4013-9749-ADF5342A111F}"/>
-              </a:ext>
-            </a:extLst>
-          </p:cNvPr>
-          <p:cNvSpPr txBox="1"/>
-          <p:nvPr/>
-        </p:nvSpPr>
-        <p:spPr>
-          <a:xfrm>
-            <a:off x="570452" y="2474752"/>
-            <a:ext cx="7035042" cy="523220"/>
-          </a:xfrm>
-          <a:prstGeom prst="rect">
-            <a:avLst/>
-          </a:prstGeom>
-          <a:noFill/>
-        </p:spPr>
-        <p:txBody>
-          <a:bodyPr wrap="square" rtlCol="0">
-            <a:spAutoFit/>
-          </a:bodyPr>
-          <a:lstStyle/>
-          <a:p>
-            <a:r>
-              <a:rPr lang="en-US" sz="1400" dirty="0"/>
-              <a:t>To improve my prediction performance, I’ve decided to </a:t>
-            </a:r>
-          </a:p>
-          <a:p>
-            <a:r>
-              <a:rPr lang="en-US" sz="1400" dirty="0"/>
-              <a:t>use ensemble method like Voting classifier.</a:t>
-            </a:r>
-          </a:p>
-        </p:txBody>
-      </p:sp>
-      <p:pic>
-        <p:nvPicPr>
-          <p:cNvPr id="7" name="Picture 6">
-            <a:extLst>
-              <a:ext uri="{FF2B5EF4-FFF2-40B4-BE49-F238E27FC236}">
-                <a16:creationId xmlns:a16="http://schemas.microsoft.com/office/drawing/2014/main" id="{ECF45697-B501-4921-BB4D-F9B81E8E714E}"/>
-              </a:ext>
-            </a:extLst>
-          </p:cNvPr>
-          <p:cNvPicPr>
-            <a:picLocks noChangeAspect="1"/>
-          </p:cNvPicPr>
-          <p:nvPr/>
-        </p:nvPicPr>
-        <p:blipFill>
-          <a:blip r:embed="rId3"/>
-          <a:stretch>
-            <a:fillRect/>
-          </a:stretch>
-        </p:blipFill>
-        <p:spPr>
-          <a:xfrm>
-            <a:off x="7481664" y="4250298"/>
-            <a:ext cx="4507494" cy="2215156"/>
-          </a:xfrm>
-          <a:prstGeom prst="rect">
-            <a:avLst/>
-          </a:prstGeom>
-        </p:spPr>
-      </p:pic>
-    </p:spTree>
-    <p:extLst>
-      <p:ext uri="{BB962C8B-B14F-4D97-AF65-F5344CB8AC3E}">
-        <p14:creationId xmlns:p14="http://schemas.microsoft.com/office/powerpoint/2010/main" val="2908560273"/>
-      </p:ext>
-    </p:extLst>
-  </p:cSld>
-  <p:clrMapOvr>
-    <a:masterClrMapping/>
-  </p:clrMapOvr>
-</p:sld>
-</file>
-
-<file path=ppt/slides/slide15.xml><?xml version="1.0" encoding="utf-8"?>
-<p:sld xmlns:a="http://schemas.openxmlformats.org/drawingml/2006/main" xmlns:r="http://schemas.openxmlformats.org/officeDocument/2006/relationships" xmlns:p="http://schemas.openxmlformats.org/presentationml/2006/main">
-  <p:cSld>
-    <p:bg>
-      <p:bgPr>
-        <a:solidFill>
-          <a:schemeClr val="bg1"/>
-        </a:solidFill>
-        <a:effectLst/>
-      </p:bgPr>
-    </p:bg>
-    <p:spTree>
-      <p:nvGrpSpPr>
-        <p:cNvPr id="1" name=""/>
-        <p:cNvGrpSpPr/>
-        <p:nvPr/>
-      </p:nvGrpSpPr>
-      <p:grpSpPr>
-        <a:xfrm>
-          <a:off x="0" y="0"/>
-          <a:ext cx="0" cy="0"/>
-          <a:chOff x="0" y="0"/>
-          <a:chExt cx="0" cy="0"/>
-        </a:xfrm>
-      </p:grpSpPr>
-      <p:sp useBgFill="1">
-        <p:nvSpPr>
-          <p:cNvPr id="12" name="Rectangle 11">
-            <a:extLst>
-              <a:ext uri="{FF2B5EF4-FFF2-40B4-BE49-F238E27FC236}">
-                <a16:creationId xmlns:a16="http://schemas.microsoft.com/office/drawing/2014/main" id="{3B854194-185D-494D-905C-7C7CB2E30F6E}"/>
-              </a:ext>
-              <a:ext uri="{C183D7F6-B498-43B3-948B-1728B52AA6E4}">
-                <adec:decorative xmlns:adec="http://schemas.microsoft.com/office/drawing/2017/decorative" val="1"/>
-              </a:ext>
-            </a:extLst>
-          </p:cNvPr>
-          <p:cNvSpPr>
-            <a:spLocks noGrp="1" noRot="1" noChangeAspect="1" noMove="1" noResize="1" noEditPoints="1" noAdjustHandles="1" noChangeArrowheads="1" noChangeShapeType="1" noTextEdit="1"/>
-          </p:cNvSpPr>
-          <p:nvPr>
-            <p:extLst>
-              <p:ext uri="{386F3935-93C4-4BCD-93E2-E3B085C9AB24}">
-                <p16:designElem xmlns:p16="http://schemas.microsoft.com/office/powerpoint/2015/main" val="1"/>
-              </p:ext>
-            </p:extLst>
-          </p:nvPr>
-        </p:nvSpPr>
-        <p:spPr>
-          <a:xfrm>
-            <a:off x="1" y="0"/>
-            <a:ext cx="6082110" cy="6858000"/>
-          </a:xfrm>
-          <a:prstGeom prst="rect">
-            <a:avLst/>
-          </a:prstGeom>
-          <a:ln>
-            <a:noFill/>
-          </a:ln>
-        </p:spPr>
-        <p:style>
-          <a:lnRef idx="2">
-            <a:schemeClr val="accent1">
-              <a:shade val="50000"/>
-            </a:schemeClr>
-          </a:lnRef>
-          <a:fillRef idx="1">
-            <a:schemeClr val="accent1"/>
-          </a:fillRef>
-          <a:effectRef idx="0">
-            <a:schemeClr val="accent1"/>
-          </a:effectRef>
-          <a:fontRef idx="minor">
-            <a:schemeClr val="lt1"/>
-          </a:fontRef>
-        </p:style>
-        <p:txBody>
-          <a:bodyPr rtlCol="0" anchor="ctr"/>
-          <a:lstStyle/>
-          <a:p>
-            <a:pPr algn="ctr"/>
-            <a:endParaRPr lang="en-US"/>
-          </a:p>
-        </p:txBody>
-      </p:sp>
-      <p:sp>
-        <p:nvSpPr>
-          <p:cNvPr id="14" name="Rectangle 13">
-            <a:extLst>
-              <a:ext uri="{FF2B5EF4-FFF2-40B4-BE49-F238E27FC236}">
-                <a16:creationId xmlns:a16="http://schemas.microsoft.com/office/drawing/2014/main" id="{B4F5FA0D-0104-4987-8241-EFF7C85B88DE}"/>
-              </a:ext>
-              <a:ext uri="{C183D7F6-B498-43B3-948B-1728B52AA6E4}">
-                <adec:decorative xmlns:adec="http://schemas.microsoft.com/office/drawing/2017/decorative" val="1"/>
-              </a:ext>
-            </a:extLst>
-          </p:cNvPr>
-          <p:cNvSpPr>
-            <a:spLocks noGrp="1" noRot="1" noChangeAspect="1" noMove="1" noResize="1" noEditPoints="1" noAdjustHandles="1" noChangeArrowheads="1" noChangeShapeType="1" noTextEdit="1"/>
-          </p:cNvSpPr>
-          <p:nvPr>
-            <p:extLst>
-              <p:ext uri="{386F3935-93C4-4BCD-93E2-E3B085C9AB24}">
-                <p16:designElem xmlns:p16="http://schemas.microsoft.com/office/powerpoint/2015/main" val="1"/>
-              </p:ext>
-            </p:extLst>
-          </p:nvPr>
-        </p:nvSpPr>
-        <p:spPr>
-          <a:xfrm>
-            <a:off x="1" y="0"/>
-            <a:ext cx="12191998" cy="6858000"/>
-          </a:xfrm>
-          <a:prstGeom prst="rect">
-            <a:avLst/>
-          </a:prstGeom>
-          <a:gradFill>
-            <a:gsLst>
-              <a:gs pos="0">
-                <a:schemeClr val="accent1">
-                  <a:lumMod val="90000"/>
-                </a:schemeClr>
-              </a:gs>
-              <a:gs pos="25000">
-                <a:schemeClr val="accent1">
-                  <a:lumMod val="90000"/>
-                </a:schemeClr>
-              </a:gs>
-              <a:gs pos="94000">
-                <a:schemeClr val="bg2">
-                  <a:lumMod val="25000"/>
-                </a:schemeClr>
-              </a:gs>
-              <a:gs pos="100000">
-                <a:schemeClr val="bg2">
-                  <a:lumMod val="25000"/>
-                </a:schemeClr>
-              </a:gs>
-            </a:gsLst>
-            <a:lin ang="4200000" scaled="0"/>
-          </a:gradFill>
-          <a:ln>
-            <a:noFill/>
-          </a:ln>
-        </p:spPr>
-        <p:style>
-          <a:lnRef idx="2">
-            <a:schemeClr val="accent1">
-              <a:shade val="50000"/>
-            </a:schemeClr>
-          </a:lnRef>
-          <a:fillRef idx="1">
-            <a:schemeClr val="accent1"/>
-          </a:fillRef>
-          <a:effectRef idx="0">
-            <a:schemeClr val="accent1"/>
-          </a:effectRef>
-          <a:fontRef idx="minor">
-            <a:schemeClr val="lt1"/>
-          </a:fontRef>
-        </p:style>
-        <p:txBody>
-          <a:bodyPr rtlCol="0" anchor="ctr"/>
-          <a:lstStyle/>
-          <a:p>
-            <a:pPr algn="ctr"/>
-            <a:endParaRPr lang="en-US"/>
-          </a:p>
-        </p:txBody>
-      </p:sp>
-      <p:pic>
-        <p:nvPicPr>
-          <p:cNvPr id="16" name="Picture 15">
-            <a:extLst>
-              <a:ext uri="{FF2B5EF4-FFF2-40B4-BE49-F238E27FC236}">
-                <a16:creationId xmlns:a16="http://schemas.microsoft.com/office/drawing/2014/main" id="{2897127E-6CEF-446C-BE87-93B7C46E49D1}"/>
-              </a:ext>
-              <a:ext uri="{C183D7F6-B498-43B3-948B-1728B52AA6E4}">
-                <adec:decorative xmlns:adec="http://schemas.microsoft.com/office/drawing/2017/decorative" val="1"/>
-              </a:ext>
-            </a:extLst>
-          </p:cNvPr>
-          <p:cNvPicPr>
-            <a:picLocks noGrp="1" noRot="1" noChangeAspect="1" noMove="1" noResize="1" noEditPoints="1" noAdjustHandles="1" noChangeArrowheads="1" noChangeShapeType="1" noCrop="1"/>
-          </p:cNvPicPr>
-          <p:nvPr>
-            <p:extLst>
-              <p:ext uri="{386F3935-93C4-4BCD-93E2-E3B085C9AB24}">
-                <p16:designElem xmlns:p16="http://schemas.microsoft.com/office/powerpoint/2015/main" val="1"/>
-              </p:ext>
-            </p:extLst>
-          </p:nvPr>
-        </p:nvPicPr>
-        <p:blipFill>
-          <a:blip r:embed="rId2">
-            <a:extLst>
-              <a:ext uri="{28A0092B-C50C-407E-A947-70E740481C1C}">
-                <a14:useLocalDpi xmlns:a14="http://schemas.microsoft.com/office/drawing/2010/main" val="0"/>
-              </a:ext>
-            </a:extLst>
-          </a:blip>
-          <a:stretch>
-            <a:fillRect/>
-          </a:stretch>
-        </p:blipFill>
-        <p:spPr>
-          <a:xfrm>
-            <a:off x="0" y="0"/>
-            <a:ext cx="12192000" cy="6858000"/>
-          </a:xfrm>
-          <a:prstGeom prst="rect">
-            <a:avLst/>
-          </a:prstGeom>
-        </p:spPr>
-      </p:pic>
-      <p:sp>
-        <p:nvSpPr>
-          <p:cNvPr id="4" name="TextBox 3">
-            <a:extLst>
-              <a:ext uri="{FF2B5EF4-FFF2-40B4-BE49-F238E27FC236}">
-                <a16:creationId xmlns:a16="http://schemas.microsoft.com/office/drawing/2014/main" id="{CCB7CCE3-1EEE-4B48-9E48-D6CDFA5670DB}"/>
-              </a:ext>
-            </a:extLst>
-          </p:cNvPr>
-          <p:cNvSpPr txBox="1"/>
-          <p:nvPr/>
-        </p:nvSpPr>
-        <p:spPr>
-          <a:xfrm>
-            <a:off x="640079" y="2053641"/>
-            <a:ext cx="3669161" cy="2760098"/>
-          </a:xfrm>
-          <a:prstGeom prst="rect">
-            <a:avLst/>
-          </a:prstGeom>
-        </p:spPr>
-        <p:txBody>
-          <a:bodyPr vert="horz" lIns="91440" tIns="45720" rIns="91440" bIns="45720" rtlCol="0" anchor="ctr">
-            <a:normAutofit/>
-          </a:bodyPr>
-          <a:lstStyle/>
-          <a:p>
-            <a:pPr>
-              <a:lnSpc>
-                <a:spcPct val="90000"/>
-              </a:lnSpc>
-              <a:spcBef>
-                <a:spcPct val="0"/>
-              </a:spcBef>
-              <a:spcAft>
-                <a:spcPts val="600"/>
-              </a:spcAft>
-            </a:pPr>
-            <a:r>
-              <a:rPr lang="en-US" sz="4400" b="1" kern="1200">
-                <a:solidFill>
-                  <a:srgbClr val="FFFFFF"/>
-                </a:solidFill>
-                <a:latin typeface="+mj-lt"/>
-                <a:ea typeface="+mj-ea"/>
-                <a:cs typeface="+mj-cs"/>
-              </a:rPr>
-              <a:t>Conclusion</a:t>
-            </a:r>
-          </a:p>
-        </p:txBody>
-      </p:sp>
-      <p:sp>
-        <p:nvSpPr>
-          <p:cNvPr id="7" name="TextBox 6">
-            <a:extLst>
-              <a:ext uri="{FF2B5EF4-FFF2-40B4-BE49-F238E27FC236}">
-                <a16:creationId xmlns:a16="http://schemas.microsoft.com/office/drawing/2014/main" id="{C0F6C3A3-5266-4C3D-B15A-508413F43ABA}"/>
-              </a:ext>
-            </a:extLst>
-          </p:cNvPr>
-          <p:cNvSpPr txBox="1"/>
-          <p:nvPr/>
-        </p:nvSpPr>
-        <p:spPr>
-          <a:xfrm>
-            <a:off x="6090574" y="801866"/>
-            <a:ext cx="5306084" cy="5230634"/>
-          </a:xfrm>
-          <a:prstGeom prst="rect">
-            <a:avLst/>
-          </a:prstGeom>
-        </p:spPr>
-        <p:txBody>
-          <a:bodyPr vert="horz" lIns="91440" tIns="45720" rIns="91440" bIns="45720" rtlCol="0" anchor="ctr">
-            <a:normAutofit/>
-          </a:bodyPr>
-          <a:lstStyle/>
-          <a:p>
-            <a:pPr indent="-228600">
-              <a:lnSpc>
-                <a:spcPct val="90000"/>
-              </a:lnSpc>
-              <a:spcAft>
-                <a:spcPts val="600"/>
-              </a:spcAft>
-              <a:buFont typeface="Arial" panose="020B0604020202020204" pitchFamily="34" charset="0"/>
-              <a:buChar char="•"/>
-            </a:pPr>
-            <a:r>
-              <a:rPr lang="en-US" sz="1500">
-                <a:solidFill>
-                  <a:srgbClr val="000000"/>
-                </a:solidFill>
-              </a:rPr>
-              <a:t>4</a:t>
-            </a:r>
-            <a:r>
-              <a:rPr lang="en-US" sz="1500" b="0" i="0">
-                <a:solidFill>
-                  <a:srgbClr val="000000"/>
-                </a:solidFill>
-                <a:effectLst/>
-              </a:rPr>
-              <a:t> kind of models of machine learning has been used to</a:t>
-            </a:r>
-          </a:p>
-          <a:p>
-            <a:pPr indent="-228600">
-              <a:lnSpc>
-                <a:spcPct val="90000"/>
-              </a:lnSpc>
-              <a:spcAft>
-                <a:spcPts val="600"/>
-              </a:spcAft>
-              <a:buFont typeface="Arial" panose="020B0604020202020204" pitchFamily="34" charset="0"/>
-              <a:buChar char="•"/>
-            </a:pPr>
-            <a:r>
-              <a:rPr lang="en-US" sz="1500" b="0" i="0">
-                <a:solidFill>
-                  <a:srgbClr val="000000"/>
-                </a:solidFill>
-                <a:effectLst/>
-              </a:rPr>
-              <a:t>examine their performance on a dataset which contains real</a:t>
-            </a:r>
-          </a:p>
-          <a:p>
-            <a:pPr indent="-228600">
-              <a:lnSpc>
-                <a:spcPct val="90000"/>
-              </a:lnSpc>
-              <a:spcAft>
-                <a:spcPts val="600"/>
-              </a:spcAft>
-              <a:buFont typeface="Arial" panose="020B0604020202020204" pitchFamily="34" charset="0"/>
-              <a:buChar char="•"/>
-            </a:pPr>
-            <a:r>
-              <a:rPr lang="en-US" sz="1500" b="0" i="0">
-                <a:solidFill>
-                  <a:srgbClr val="000000"/>
-                </a:solidFill>
-                <a:effectLst/>
-              </a:rPr>
-              <a:t>world transaction data. Although in accuracy LOF, IF, RF, XGB</a:t>
-            </a:r>
-          </a:p>
-          <a:p>
-            <a:pPr indent="-228600">
-              <a:lnSpc>
-                <a:spcPct val="90000"/>
-              </a:lnSpc>
-              <a:spcAft>
-                <a:spcPts val="600"/>
-              </a:spcAft>
-              <a:buFont typeface="Arial" panose="020B0604020202020204" pitchFamily="34" charset="0"/>
-              <a:buChar char="•"/>
-            </a:pPr>
-            <a:r>
-              <a:rPr lang="en-US" sz="1500" b="0" i="0">
-                <a:solidFill>
-                  <a:srgbClr val="000000"/>
-                </a:solidFill>
-                <a:effectLst/>
-              </a:rPr>
-              <a:t>obtained good results but we focused not only on accuracy</a:t>
-            </a:r>
-          </a:p>
-          <a:p>
-            <a:pPr indent="-228600">
-              <a:lnSpc>
-                <a:spcPct val="90000"/>
-              </a:lnSpc>
-              <a:spcAft>
-                <a:spcPts val="600"/>
-              </a:spcAft>
-              <a:buFont typeface="Arial" panose="020B0604020202020204" pitchFamily="34" charset="0"/>
-              <a:buChar char="•"/>
-            </a:pPr>
-            <a:r>
-              <a:rPr lang="en-US" sz="1500" b="0" i="0">
-                <a:solidFill>
-                  <a:srgbClr val="000000"/>
-                </a:solidFill>
-                <a:effectLst/>
-              </a:rPr>
-              <a:t>but business value also. As deep learning has increased the</a:t>
-            </a:r>
-          </a:p>
-          <a:p>
-            <a:pPr indent="-228600">
-              <a:lnSpc>
-                <a:spcPct val="90000"/>
-              </a:lnSpc>
-              <a:spcAft>
-                <a:spcPts val="600"/>
-              </a:spcAft>
-              <a:buFont typeface="Arial" panose="020B0604020202020204" pitchFamily="34" charset="0"/>
-              <a:buChar char="•"/>
-            </a:pPr>
-            <a:r>
-              <a:rPr lang="en-US" sz="1500" b="0" i="0">
-                <a:solidFill>
-                  <a:srgbClr val="000000"/>
-                </a:solidFill>
-                <a:effectLst/>
-              </a:rPr>
-              <a:t>opportunity for detecting fraudulent transactions we tried to</a:t>
-            </a:r>
-          </a:p>
-          <a:p>
-            <a:pPr indent="-228600">
-              <a:lnSpc>
-                <a:spcPct val="90000"/>
-              </a:lnSpc>
-              <a:spcAft>
-                <a:spcPts val="600"/>
-              </a:spcAft>
-              <a:buFont typeface="Arial" panose="020B0604020202020204" pitchFamily="34" charset="0"/>
-              <a:buChar char="•"/>
-            </a:pPr>
-            <a:r>
-              <a:rPr lang="en-US" sz="1500" b="0" i="0">
-                <a:solidFill>
-                  <a:srgbClr val="000000"/>
-                </a:solidFill>
-                <a:effectLst/>
-              </a:rPr>
-              <a:t>show the other way of detecting with classical algorithms.</a:t>
-            </a:r>
-          </a:p>
-          <a:p>
-            <a:pPr indent="-228600">
-              <a:lnSpc>
-                <a:spcPct val="90000"/>
-              </a:lnSpc>
-              <a:spcAft>
-                <a:spcPts val="600"/>
-              </a:spcAft>
-              <a:buFont typeface="Arial" panose="020B0604020202020204" pitchFamily="34" charset="0"/>
-              <a:buChar char="•"/>
-            </a:pPr>
-            <a:r>
-              <a:rPr lang="en-US" sz="1500" b="0" i="0">
-                <a:solidFill>
-                  <a:srgbClr val="000000"/>
-                </a:solidFill>
-                <a:effectLst/>
-              </a:rPr>
-              <a:t>Comparison between these algorithm helped us to decide</a:t>
-            </a:r>
-          </a:p>
-          <a:p>
-            <a:pPr indent="-228600">
-              <a:lnSpc>
-                <a:spcPct val="90000"/>
-              </a:lnSpc>
-              <a:spcAft>
-                <a:spcPts val="600"/>
-              </a:spcAft>
-              <a:buFont typeface="Arial" panose="020B0604020202020204" pitchFamily="34" charset="0"/>
-              <a:buChar char="•"/>
-            </a:pPr>
-            <a:r>
-              <a:rPr lang="en-US" sz="1500" b="0" i="0">
-                <a:solidFill>
-                  <a:srgbClr val="000000"/>
-                </a:solidFill>
-                <a:effectLst/>
-              </a:rPr>
-              <a:t>Random Forest and XGB which turned out to be both</a:t>
-            </a:r>
-          </a:p>
-          <a:p>
-            <a:pPr indent="-228600">
-              <a:lnSpc>
-                <a:spcPct val="90000"/>
-              </a:lnSpc>
-              <a:spcAft>
-                <a:spcPts val="600"/>
-              </a:spcAft>
-              <a:buFont typeface="Arial" panose="020B0604020202020204" pitchFamily="34" charset="0"/>
-              <a:buChar char="•"/>
-            </a:pPr>
-            <a:r>
-              <a:rPr lang="en-US" sz="1500" b="0" i="0">
-                <a:solidFill>
-                  <a:srgbClr val="000000"/>
-                </a:solidFill>
-                <a:effectLst/>
-              </a:rPr>
-              <a:t>accurate and cost effective at the same time. Problems like</a:t>
-            </a:r>
-          </a:p>
-          <a:p>
-            <a:pPr indent="-228600">
-              <a:lnSpc>
-                <a:spcPct val="90000"/>
-              </a:lnSpc>
-              <a:spcAft>
-                <a:spcPts val="600"/>
-              </a:spcAft>
-              <a:buFont typeface="Arial" panose="020B0604020202020204" pitchFamily="34" charset="0"/>
-              <a:buChar char="•"/>
-            </a:pPr>
-            <a:r>
-              <a:rPr lang="en-US" sz="1500" b="0" i="0">
-                <a:solidFill>
-                  <a:srgbClr val="000000"/>
-                </a:solidFill>
-                <a:effectLst/>
-              </a:rPr>
-              <a:t>these, we should concentrate on high precision value along with</a:t>
-            </a:r>
-          </a:p>
-          <a:p>
-            <a:pPr indent="-228600">
-              <a:lnSpc>
-                <a:spcPct val="90000"/>
-              </a:lnSpc>
-              <a:spcAft>
-                <a:spcPts val="600"/>
-              </a:spcAft>
-              <a:buFont typeface="Arial" panose="020B0604020202020204" pitchFamily="34" charset="0"/>
-              <a:buChar char="•"/>
-            </a:pPr>
-            <a:r>
-              <a:rPr lang="en-US" sz="1500" b="0" i="0">
-                <a:solidFill>
-                  <a:srgbClr val="000000"/>
-                </a:solidFill>
-                <a:effectLst/>
-              </a:rPr>
-              <a:t>feature extraction which allows us to attain notable results.</a:t>
-            </a:r>
-          </a:p>
-        </p:txBody>
-      </p:sp>
-    </p:spTree>
-    <p:extLst>
-      <p:ext uri="{BB962C8B-B14F-4D97-AF65-F5344CB8AC3E}">
-        <p14:creationId xmlns:p14="http://schemas.microsoft.com/office/powerpoint/2010/main" val="4219589058"/>
-      </p:ext>
-    </p:extLst>
-  </p:cSld>
-  <p:clrMapOvr>
-    <a:masterClrMapping/>
-  </p:clrMapOvr>
-</p:sld>
-</file>
-
-<file path=ppt/slides/slide16.xml><?xml version="1.0" encoding="utf-8"?>
-<p:sld xmlns:a="http://schemas.openxmlformats.org/drawingml/2006/main" xmlns:r="http://schemas.openxmlformats.org/officeDocument/2006/relationships" xmlns:p="http://schemas.openxmlformats.org/presentationml/2006/main">
-  <p:cSld>
-    <p:spTree>
-      <p:nvGrpSpPr>
-        <p:cNvPr id="1" name=""/>
-        <p:cNvGrpSpPr/>
-        <p:nvPr/>
-      </p:nvGrpSpPr>
-      <p:grpSpPr>
-        <a:xfrm>
-          <a:off x="0" y="0"/>
-          <a:ext cx="0" cy="0"/>
-          <a:chOff x="0" y="0"/>
-          <a:chExt cx="0" cy="0"/>
-        </a:xfrm>
-      </p:grpSpPr>
-      <p:sp>
-        <p:nvSpPr>
-          <p:cNvPr id="6" name="TextBox 5">
-            <a:extLst>
-              <a:ext uri="{FF2B5EF4-FFF2-40B4-BE49-F238E27FC236}">
-                <a16:creationId xmlns:a16="http://schemas.microsoft.com/office/drawing/2014/main" id="{AFC11BB1-CECD-4C3A-B732-407E5F0E4A61}"/>
-              </a:ext>
-            </a:extLst>
-          </p:cNvPr>
-          <p:cNvSpPr txBox="1"/>
-          <p:nvPr/>
-        </p:nvSpPr>
-        <p:spPr>
-          <a:xfrm>
-            <a:off x="2447109" y="2098766"/>
-            <a:ext cx="8351520" cy="3416320"/>
-          </a:xfrm>
-          <a:prstGeom prst="rect">
-            <a:avLst/>
-          </a:prstGeom>
-          <a:noFill/>
-        </p:spPr>
-        <p:txBody>
-          <a:bodyPr wrap="square" rtlCol="0">
-            <a:spAutoFit/>
-          </a:bodyPr>
-          <a:lstStyle/>
-          <a:p>
-            <a:r>
-              <a:rPr lang="en-US" b="0" i="0" dirty="0">
-                <a:solidFill>
-                  <a:srgbClr val="000000"/>
-                </a:solidFill>
-                <a:effectLst/>
-                <a:latin typeface="Lato"/>
-              </a:rPr>
-              <a:t>While we couldn't reach out goal of 100% accuracy in fraud detection, we did end up creating a system that can, with enough time and data, get very close to that goal. As with any such project, there is some room for improvement here.</a:t>
-            </a:r>
-          </a:p>
-          <a:p>
-            <a:r>
-              <a:rPr lang="en-US" b="0" i="0" dirty="0">
-                <a:solidFill>
-                  <a:srgbClr val="000000"/>
-                </a:solidFill>
-                <a:effectLst/>
-                <a:latin typeface="Lato"/>
-              </a:rPr>
-              <a:t>This model can further be improved with the addition of more algorithms into it. However, the output of these algorithms needs to be in the same format as the others. Once that condition is satisfied, the modules are easy to add as done in the code. This provides a great degree of modularity and versatility to the project.</a:t>
-            </a:r>
-            <a:endParaRPr lang="en-US" dirty="0">
-              <a:solidFill>
-                <a:srgbClr val="000000"/>
-              </a:solidFill>
-              <a:latin typeface="Lato"/>
-            </a:endParaRPr>
-          </a:p>
-          <a:p>
-            <a:r>
-              <a:rPr lang="en-US" b="0" i="0" dirty="0">
-                <a:solidFill>
-                  <a:srgbClr val="000000"/>
-                </a:solidFill>
-                <a:effectLst/>
-                <a:latin typeface="Lato"/>
-              </a:rPr>
-              <a:t>More room for improvement can be found in the dataset. As demonstrated before, the precision of the algorithms increases when the size of dataset is increased. Hence, more data will surely make the model more accurate in detecting frauds and reduce the number of false positives. </a:t>
-            </a:r>
-            <a:endParaRPr lang="en-US" dirty="0"/>
-          </a:p>
-        </p:txBody>
-      </p:sp>
-      <p:sp>
-        <p:nvSpPr>
-          <p:cNvPr id="7" name="TextBox 6">
-            <a:extLst>
-              <a:ext uri="{FF2B5EF4-FFF2-40B4-BE49-F238E27FC236}">
-                <a16:creationId xmlns:a16="http://schemas.microsoft.com/office/drawing/2014/main" id="{B0CC2E63-482B-4499-8949-107416951A2C}"/>
-              </a:ext>
-            </a:extLst>
-          </p:cNvPr>
-          <p:cNvSpPr txBox="1"/>
-          <p:nvPr/>
-        </p:nvSpPr>
-        <p:spPr>
-          <a:xfrm>
-            <a:off x="1985554" y="1097280"/>
-            <a:ext cx="2828018" cy="369332"/>
-          </a:xfrm>
-          <a:prstGeom prst="rect">
-            <a:avLst/>
-          </a:prstGeom>
-          <a:noFill/>
-        </p:spPr>
-        <p:txBody>
           <a:bodyPr wrap="none" rtlCol="0">
             <a:spAutoFit/>
           </a:bodyPr>
           <a:lstStyle/>
           <a:p>
             <a:r>
+              <a:rPr lang="en-US" b="1" dirty="0">
+                <a:solidFill>
+                  <a:srgbClr val="000000"/>
+                </a:solidFill>
+              </a:rPr>
+              <a:t>COCLUSION AND </a:t>
+            </a:r>
+            <a:r>
               <a:rPr lang="en-US" b="1" i="0" dirty="0">
                 <a:solidFill>
                   <a:srgbClr val="000000"/>
                 </a:solidFill>
                 <a:effectLst/>
               </a:rPr>
-              <a:t>FUTURE ENHANCEMENTS</a:t>
+              <a:t>FUTURE ENHANCEMENTS:</a:t>
             </a:r>
             <a:endParaRPr lang="en-US" b="1" dirty="0"/>
           </a:p>
@@ -7911,7 +6547,7 @@
         <p:spPr>
           <a:xfrm>
             <a:off x="261257" y="1053738"/>
-            <a:ext cx="4241074" cy="4586608"/>
+            <a:ext cx="3241408" cy="3666308"/>
           </a:xfrm>
           <a:prstGeom prst="rect">
             <a:avLst/>
@@ -7923,7 +6559,7 @@
           </a:bodyPr>
           <a:lstStyle/>
           <a:p>
-            <a:pPr indent="-228600">
+            <a:pPr>
               <a:lnSpc>
                 <a:spcPct val="90000"/>
               </a:lnSpc>
@@ -7933,57 +6569,12 @@
               <a:buClr>
                 <a:schemeClr val="accent1"/>
               </a:buClr>
-              <a:buFont typeface="Arial" panose="020B0604020202020204" pitchFamily="34" charset="0"/>
-              <a:buChar char="•"/>
             </a:pPr>
             <a:r>
               <a:rPr lang="en-US" sz="1400" b="0" i="0" dirty="0">
                 <a:effectLst/>
               </a:rPr>
-              <a:t>The purpose of EDA is to enhance our understanding of trends in the dataset without involving complicated machine learning models. Oftentimes, we can see obvious traits using graphs and charts just from plotting columns of the dataset against each other.</a:t>
-            </a:r>
-          </a:p>
-          <a:p>
-            <a:pPr indent="-228600">
-              <a:lnSpc>
-                <a:spcPct val="90000"/>
-              </a:lnSpc>
-              <a:spcBef>
-                <a:spcPts val="1000"/>
-              </a:spcBef>
-              <a:buClr>
-                <a:schemeClr val="accent1"/>
-              </a:buClr>
-              <a:buFont typeface="Arial" panose="020B0604020202020204" pitchFamily="34" charset="0"/>
-              <a:buChar char="•"/>
-            </a:pPr>
-            <a:r>
-              <a:rPr lang="en-US" sz="1400" b="0" i="0" dirty="0">
-                <a:effectLst/>
-              </a:rPr>
-              <a:t>A correlation map (or correlation matrix) is a visual tool that illustrates the relationship between different columns of the dataset. The matrix will be lighter when the columns represented move in the same direction together, and it will be darker when one column decreases while the other increases. Strong spots of light and dark spots in our correlation matrix tell us about the future reliability of the model.</a:t>
-            </a:r>
-            <a:endParaRPr lang="en-US" sz="1400" dirty="0"/>
-          </a:p>
-          <a:p>
-            <a:pPr indent="-228600">
-              <a:lnSpc>
-                <a:spcPct val="90000"/>
-              </a:lnSpc>
-              <a:spcBef>
-                <a:spcPts val="1000"/>
-              </a:spcBef>
-              <a:buClr>
-                <a:schemeClr val="accent1"/>
-              </a:buClr>
-              <a:buFont typeface="Arial" panose="020B0604020202020204" pitchFamily="34" charset="0"/>
-              <a:buChar char="•"/>
-            </a:pPr>
-            <a:r>
-              <a:rPr lang="en-US" sz="1400" b="0" i="0" dirty="0">
-                <a:effectLst/>
-              </a:rPr>
-              <a:t>From these column values, we can see that there are some very useful correlations present within our new dataset. For example, V2 and V5 are highly negatively correlated with the feature called Amount. We also see some correlation with V20 and Amount. This gives us a deeper understanding of the Data available to us.</a:t>
+              <a:t>The purpose of EDA is to enhance our understanding of trends in the dataset without involving complicated machine learning models. From these column values, we can see that there are some very useful correlations present within our new dataset. For example, V2 and V5 are highly negatively correlated with the feature called Amount. We also see some correlation with V20 and Amount. This gives us a deeper understanding of the Data available to us.</a:t>
             </a:r>
           </a:p>
           <a:p>
@@ -8168,8 +6759,8 @@
         </p:blipFill>
         <p:spPr bwMode="auto">
           <a:xfrm>
-            <a:off x="5522044" y="807593"/>
-            <a:ext cx="5786967" cy="5239568"/>
+            <a:off x="5451566" y="743781"/>
+            <a:ext cx="5857445" cy="5303380"/>
           </a:xfrm>
           <a:prstGeom prst="rect">
             <a:avLst/>
@@ -8534,7 +7125,17 @@
               <a:rPr lang="en-US" sz="2000" b="0" i="0" dirty="0">
                 <a:effectLst/>
               </a:rPr>
-              <a:t>Let’s also plot a pie chart of the distribution between fraud and not-fraud for easier viewing.</a:t>
+              <a:t>Let’s also plot a </a:t>
+            </a:r>
+            <a:r>
+              <a:rPr lang="en-US" sz="2000" dirty="0"/>
+              <a:t>box</a:t>
+            </a:r>
+            <a:r>
+              <a:rPr lang="en-US" sz="2000" b="0" i="0" dirty="0">
+                <a:effectLst/>
+              </a:rPr>
+              <a:t> chart of the distribution between fraud and not-fraud for easier viewing.</a:t>
             </a:r>
           </a:p>
           <a:p>
@@ -9362,8 +7963,8 @@
         </p:nvSpPr>
         <p:spPr>
           <a:xfrm>
-            <a:off x="6090574" y="801866"/>
-            <a:ext cx="5306084" cy="5230634"/>
+            <a:off x="5817326" y="1097280"/>
+            <a:ext cx="5579332" cy="3396343"/>
           </a:xfrm>
           <a:prstGeom prst="rect">
             <a:avLst/>
@@ -9375,24 +7976,30 @@
           </a:bodyPr>
           <a:lstStyle/>
           <a:p>
-            <a:pPr indent="-228600" fontAlgn="base">
+            <a:pPr fontAlgn="base">
               <a:lnSpc>
                 <a:spcPct val="90000"/>
               </a:lnSpc>
               <a:spcAft>
                 <a:spcPts val="600"/>
               </a:spcAft>
-              <a:buFont typeface="Arial" panose="020B0604020202020204" pitchFamily="34" charset="0"/>
-              <a:buChar char="•"/>
             </a:pPr>
             <a:r>
-              <a:rPr lang="en-US" sz="2400" b="0" i="0">
+              <a:rPr lang="en-US" sz="2400" b="0" i="0" dirty="0">
                 <a:solidFill>
                   <a:srgbClr val="000000"/>
                 </a:solidFill>
                 <a:effectLst/>
               </a:rPr>
-              <a:t>The purpose of the data preprocessing stage is to minimize potential error in the model as much as possible. Generally, a model is only as good as the data passed into it, and the data preprocessing we do ensure that the model has as accurate a dataset as possible. First check the null values in data set and then I will be dividing the dataset into two main groups. One for training the model and the other for Testing our trained model’s performance. after that we start </a:t>
+              <a:t>The purpose of the data preprocessing stage is to minimize potential error in the model as much as possible. after that we start </a:t>
+            </a:r>
+            <a:r>
+              <a:rPr lang="en-US" sz="2400" dirty="0">
+                <a:solidFill>
+                  <a:srgbClr val="000000"/>
+                </a:solidFill>
+              </a:rPr>
+              <a:t>To standardize the numeric features and apply scaler to the testing set.</a:t>
             </a:r>
           </a:p>
           <a:p>
@@ -9406,27 +8013,7 @@
               <a:buFont typeface="Arial" panose="020B0604020202020204" pitchFamily="34" charset="0"/>
               <a:buChar char="•"/>
             </a:pPr>
-            <a:r>
-              <a:rPr lang="en-US" sz="2400">
-                <a:solidFill>
-                  <a:srgbClr val="000000"/>
-                </a:solidFill>
-              </a:rPr>
-              <a:t>To standardize the numeric features and apply scaler to the testing set.</a:t>
-            </a:r>
-          </a:p>
-          <a:p>
-            <a:pPr indent="-228600">
-              <a:lnSpc>
-                <a:spcPct val="90000"/>
-              </a:lnSpc>
-              <a:spcAft>
-                <a:spcPts val="600"/>
-              </a:spcAft>
-              <a:buFont typeface="Arial" panose="020B0604020202020204" pitchFamily="34" charset="0"/>
-              <a:buChar char="•"/>
-            </a:pPr>
-            <a:endParaRPr lang="en-US" sz="2400">
+            <a:endParaRPr lang="en-US" sz="2400" dirty="0">
               <a:solidFill>
                 <a:srgbClr val="000000"/>
               </a:solidFill>
